--- a/slides/02_H2O_Workshop.pptx
+++ b/slides/02_H2O_Workshop.pptx
@@ -5,10 +5,10 @@
     <p:sldMasterId id="2147483660" r:id="rId1"/>
   </p:sldMasterIdLst>
   <p:notesMasterIdLst>
-    <p:notesMasterId r:id="rId19"/>
+    <p:notesMasterId r:id="rId29"/>
   </p:notesMasterIdLst>
   <p:handoutMasterIdLst>
-    <p:handoutMasterId r:id="rId20"/>
+    <p:handoutMasterId r:id="rId30"/>
   </p:handoutMasterIdLst>
   <p:sldIdLst>
     <p:sldId id="256" r:id="rId2"/>
@@ -19,15 +19,25 @@
     <p:sldId id="526" r:id="rId7"/>
     <p:sldId id="527" r:id="rId8"/>
     <p:sldId id="528" r:id="rId9"/>
-    <p:sldId id="529" r:id="rId10"/>
-    <p:sldId id="522" r:id="rId11"/>
-    <p:sldId id="530" r:id="rId12"/>
-    <p:sldId id="501" r:id="rId13"/>
-    <p:sldId id="532" r:id="rId14"/>
-    <p:sldId id="531" r:id="rId15"/>
-    <p:sldId id="534" r:id="rId16"/>
-    <p:sldId id="533" r:id="rId17"/>
-    <p:sldId id="535" r:id="rId18"/>
+    <p:sldId id="552" r:id="rId10"/>
+    <p:sldId id="529" r:id="rId11"/>
+    <p:sldId id="522" r:id="rId12"/>
+    <p:sldId id="530" r:id="rId13"/>
+    <p:sldId id="501" r:id="rId14"/>
+    <p:sldId id="532" r:id="rId15"/>
+    <p:sldId id="531" r:id="rId16"/>
+    <p:sldId id="534" r:id="rId17"/>
+    <p:sldId id="533" r:id="rId18"/>
+    <p:sldId id="545" r:id="rId19"/>
+    <p:sldId id="536" r:id="rId20"/>
+    <p:sldId id="537" r:id="rId21"/>
+    <p:sldId id="539" r:id="rId22"/>
+    <p:sldId id="541" r:id="rId23"/>
+    <p:sldId id="538" r:id="rId24"/>
+    <p:sldId id="540" r:id="rId25"/>
+    <p:sldId id="542" r:id="rId26"/>
+    <p:sldId id="543" r:id="rId27"/>
+    <p:sldId id="544" r:id="rId28"/>
   </p:sldIdLst>
   <p:sldSz cx="9144000" cy="5143500" type="screen16x9"/>
   <p:notesSz cx="6858000" cy="9144000"/>
@@ -334,7 +344,7 @@
           <a:p>
             <a:fld id="{D305A8F3-AA62-AC48-A387-50F2EB05A328}" type="datetimeFigureOut">
               <a:rPr lang="en-US" smtClean="0"/>
-              <a:t>9/26/16</a:t>
+              <a:t>9/27/16</a:t>
             </a:fld>
             <a:endParaRPr lang="en-US"/>
           </a:p>
@@ -1186,14 +1196,14 @@
               </a:pPr>
               <a:t>12</a:t>
             </a:fld>
-            <a:endParaRPr lang="en-US"/>
+            <a:endParaRPr lang="en-US" dirty="0"/>
           </a:p>
         </p:txBody>
       </p:sp>
     </p:spTree>
     <p:extLst>
       <p:ext uri="{BB962C8B-B14F-4D97-AF65-F5344CB8AC3E}">
-        <p14:creationId xmlns:p14="http://schemas.microsoft.com/office/powerpoint/2010/main" val="2005964489"/>
+        <p14:creationId xmlns:p14="http://schemas.microsoft.com/office/powerpoint/2010/main" val="1830101089"/>
       </p:ext>
     </p:extLst>
   </p:cSld>
@@ -1291,7 +1301,7 @@
     </p:spTree>
     <p:extLst>
       <p:ext uri="{BB962C8B-B14F-4D97-AF65-F5344CB8AC3E}">
-        <p14:creationId xmlns:p14="http://schemas.microsoft.com/office/powerpoint/2010/main" val="134570138"/>
+        <p14:creationId xmlns:p14="http://schemas.microsoft.com/office/powerpoint/2010/main" val="2005964489"/>
       </p:ext>
     </p:extLst>
   </p:cSld>
@@ -1382,14 +1392,14 @@
               </a:pPr>
               <a:t>14</a:t>
             </a:fld>
-            <a:endParaRPr lang="en-US" dirty="0"/>
+            <a:endParaRPr lang="en-US"/>
           </a:p>
         </p:txBody>
       </p:sp>
     </p:spTree>
     <p:extLst>
       <p:ext uri="{BB962C8B-B14F-4D97-AF65-F5344CB8AC3E}">
-        <p14:creationId xmlns:p14="http://schemas.microsoft.com/office/powerpoint/2010/main" val="1825076887"/>
+        <p14:creationId xmlns:p14="http://schemas.microsoft.com/office/powerpoint/2010/main" val="134570138"/>
       </p:ext>
     </p:extLst>
   </p:cSld>
@@ -1480,14 +1490,14 @@
               </a:pPr>
               <a:t>15</a:t>
             </a:fld>
-            <a:endParaRPr lang="en-US"/>
+            <a:endParaRPr lang="en-US" dirty="0"/>
           </a:p>
         </p:txBody>
       </p:sp>
     </p:spTree>
     <p:extLst>
       <p:ext uri="{BB962C8B-B14F-4D97-AF65-F5344CB8AC3E}">
-        <p14:creationId xmlns:p14="http://schemas.microsoft.com/office/powerpoint/2010/main" val="1259835980"/>
+        <p14:creationId xmlns:p14="http://schemas.microsoft.com/office/powerpoint/2010/main" val="1825076887"/>
       </p:ext>
     </p:extLst>
   </p:cSld>
@@ -1585,7 +1595,497 @@
     </p:spTree>
     <p:extLst>
       <p:ext uri="{BB962C8B-B14F-4D97-AF65-F5344CB8AC3E}">
+        <p14:creationId xmlns:p14="http://schemas.microsoft.com/office/powerpoint/2010/main" val="1259835980"/>
+      </p:ext>
+    </p:extLst>
+  </p:cSld>
+  <p:clrMapOvr>
+    <a:masterClrMapping/>
+  </p:clrMapOvr>
+</p:notes>
+</file>
+
+<file path=ppt/notesSlides/notesSlide15.xml><?xml version="1.0" encoding="utf-8"?>
+<p:notes xmlns:a="http://schemas.openxmlformats.org/drawingml/2006/main" xmlns:r="http://schemas.openxmlformats.org/officeDocument/2006/relationships" xmlns:p="http://schemas.openxmlformats.org/presentationml/2006/main">
+  <p:cSld>
+    <p:spTree>
+      <p:nvGrpSpPr>
+        <p:cNvPr id="1" name=""/>
+        <p:cNvGrpSpPr/>
+        <p:nvPr/>
+      </p:nvGrpSpPr>
+      <p:grpSpPr>
+        <a:xfrm>
+          <a:off x="0" y="0"/>
+          <a:ext cx="0" cy="0"/>
+          <a:chOff x="0" y="0"/>
+          <a:chExt cx="0" cy="0"/>
+        </a:xfrm>
+      </p:grpSpPr>
+      <p:sp>
+        <p:nvSpPr>
+          <p:cNvPr id="2" name="Slide Image Placeholder 1"/>
+          <p:cNvSpPr>
+            <a:spLocks noGrp="1" noRot="1" noChangeAspect="1"/>
+          </p:cNvSpPr>
+          <p:nvPr>
+            <p:ph type="sldImg"/>
+          </p:nvPr>
+        </p:nvSpPr>
+        <p:spPr/>
+      </p:sp>
+      <p:sp>
+        <p:nvSpPr>
+          <p:cNvPr id="3" name="Notes Placeholder 2"/>
+          <p:cNvSpPr>
+            <a:spLocks noGrp="1"/>
+          </p:cNvSpPr>
+          <p:nvPr>
+            <p:ph type="body" idx="1"/>
+          </p:nvPr>
+        </p:nvSpPr>
+        <p:spPr/>
+        <p:txBody>
+          <a:bodyPr/>
+          <a:lstStyle/>
+          <a:p>
+            <a:endParaRPr lang="en-US" dirty="0"/>
+          </a:p>
+        </p:txBody>
+      </p:sp>
+      <p:sp>
+        <p:nvSpPr>
+          <p:cNvPr id="4" name="Slide Number Placeholder 3"/>
+          <p:cNvSpPr>
+            <a:spLocks noGrp="1"/>
+          </p:cNvSpPr>
+          <p:nvPr>
+            <p:ph type="sldNum" idx="10"/>
+          </p:nvPr>
+        </p:nvSpPr>
+        <p:spPr/>
+        <p:txBody>
+          <a:bodyPr/>
+          <a:lstStyle/>
+          <a:p>
+            <a:pPr marL="0" lvl="0" indent="0">
+              <a:spcBef>
+                <a:spcPts val="0"/>
+              </a:spcBef>
+              <a:buSzPct val="25000"/>
+              <a:buNone/>
+            </a:pPr>
+            <a:fld id="{00000000-1234-1234-1234-123412341234}" type="slidenum">
+              <a:rPr lang="en-US" smtClean="0"/>
+              <a:pPr marL="0" lvl="0" indent="0">
+                <a:spcBef>
+                  <a:spcPts val="0"/>
+                </a:spcBef>
+                <a:buSzPct val="25000"/>
+                <a:buNone/>
+              </a:pPr>
+              <a:t>17</a:t>
+            </a:fld>
+            <a:endParaRPr lang="en-US"/>
+          </a:p>
+        </p:txBody>
+      </p:sp>
+    </p:spTree>
+    <p:extLst>
+      <p:ext uri="{BB962C8B-B14F-4D97-AF65-F5344CB8AC3E}">
         <p14:creationId xmlns:p14="http://schemas.microsoft.com/office/powerpoint/2010/main" val="1064635017"/>
+      </p:ext>
+    </p:extLst>
+  </p:cSld>
+  <p:clrMapOvr>
+    <a:masterClrMapping/>
+  </p:clrMapOvr>
+</p:notes>
+</file>
+
+<file path=ppt/notesSlides/notesSlide16.xml><?xml version="1.0" encoding="utf-8"?>
+<p:notes xmlns:a="http://schemas.openxmlformats.org/drawingml/2006/main" xmlns:r="http://schemas.openxmlformats.org/officeDocument/2006/relationships" xmlns:p="http://schemas.openxmlformats.org/presentationml/2006/main">
+  <p:cSld>
+    <p:spTree>
+      <p:nvGrpSpPr>
+        <p:cNvPr id="1" name=""/>
+        <p:cNvGrpSpPr/>
+        <p:nvPr/>
+      </p:nvGrpSpPr>
+      <p:grpSpPr>
+        <a:xfrm>
+          <a:off x="0" y="0"/>
+          <a:ext cx="0" cy="0"/>
+          <a:chOff x="0" y="0"/>
+          <a:chExt cx="0" cy="0"/>
+        </a:xfrm>
+      </p:grpSpPr>
+      <p:sp>
+        <p:nvSpPr>
+          <p:cNvPr id="2" name="Slide Image Placeholder 1"/>
+          <p:cNvSpPr>
+            <a:spLocks noGrp="1" noRot="1" noChangeAspect="1"/>
+          </p:cNvSpPr>
+          <p:nvPr>
+            <p:ph type="sldImg"/>
+          </p:nvPr>
+        </p:nvSpPr>
+        <p:spPr/>
+      </p:sp>
+      <p:sp>
+        <p:nvSpPr>
+          <p:cNvPr id="3" name="Notes Placeholder 2"/>
+          <p:cNvSpPr>
+            <a:spLocks noGrp="1"/>
+          </p:cNvSpPr>
+          <p:nvPr>
+            <p:ph type="body" idx="1"/>
+          </p:nvPr>
+        </p:nvSpPr>
+        <p:spPr/>
+        <p:txBody>
+          <a:bodyPr/>
+          <a:lstStyle/>
+          <a:p>
+            <a:endParaRPr lang="en-US" dirty="0"/>
+          </a:p>
+        </p:txBody>
+      </p:sp>
+      <p:sp>
+        <p:nvSpPr>
+          <p:cNvPr id="4" name="Slide Number Placeholder 3"/>
+          <p:cNvSpPr>
+            <a:spLocks noGrp="1"/>
+          </p:cNvSpPr>
+          <p:nvPr>
+            <p:ph type="sldNum" idx="10"/>
+          </p:nvPr>
+        </p:nvSpPr>
+        <p:spPr/>
+        <p:txBody>
+          <a:bodyPr/>
+          <a:lstStyle/>
+          <a:p>
+            <a:pPr marL="0" lvl="0" indent="0">
+              <a:spcBef>
+                <a:spcPts val="0"/>
+              </a:spcBef>
+              <a:buSzPct val="25000"/>
+              <a:buNone/>
+            </a:pPr>
+            <a:fld id="{00000000-1234-1234-1234-123412341234}" type="slidenum">
+              <a:rPr lang="en-US" smtClean="0"/>
+              <a:pPr marL="0" lvl="0" indent="0">
+                <a:spcBef>
+                  <a:spcPts val="0"/>
+                </a:spcBef>
+                <a:buSzPct val="25000"/>
+                <a:buNone/>
+              </a:pPr>
+              <a:t>18</a:t>
+            </a:fld>
+            <a:endParaRPr lang="en-US"/>
+          </a:p>
+        </p:txBody>
+      </p:sp>
+    </p:spTree>
+    <p:extLst>
+      <p:ext uri="{BB962C8B-B14F-4D97-AF65-F5344CB8AC3E}">
+        <p14:creationId xmlns:p14="http://schemas.microsoft.com/office/powerpoint/2010/main" val="2060643913"/>
+      </p:ext>
+    </p:extLst>
+  </p:cSld>
+  <p:clrMapOvr>
+    <a:masterClrMapping/>
+  </p:clrMapOvr>
+</p:notes>
+</file>
+
+<file path=ppt/notesSlides/notesSlide17.xml><?xml version="1.0" encoding="utf-8"?>
+<p:notes xmlns:a="http://schemas.openxmlformats.org/drawingml/2006/main" xmlns:r="http://schemas.openxmlformats.org/officeDocument/2006/relationships" xmlns:p="http://schemas.openxmlformats.org/presentationml/2006/main">
+  <p:cSld>
+    <p:spTree>
+      <p:nvGrpSpPr>
+        <p:cNvPr id="1" name=""/>
+        <p:cNvGrpSpPr/>
+        <p:nvPr/>
+      </p:nvGrpSpPr>
+      <p:grpSpPr>
+        <a:xfrm>
+          <a:off x="0" y="0"/>
+          <a:ext cx="0" cy="0"/>
+          <a:chOff x="0" y="0"/>
+          <a:chExt cx="0" cy="0"/>
+        </a:xfrm>
+      </p:grpSpPr>
+      <p:sp>
+        <p:nvSpPr>
+          <p:cNvPr id="2" name="Slide Image Placeholder 1"/>
+          <p:cNvSpPr>
+            <a:spLocks noGrp="1" noRot="1" noChangeAspect="1"/>
+          </p:cNvSpPr>
+          <p:nvPr>
+            <p:ph type="sldImg"/>
+          </p:nvPr>
+        </p:nvSpPr>
+        <p:spPr/>
+      </p:sp>
+      <p:sp>
+        <p:nvSpPr>
+          <p:cNvPr id="3" name="Notes Placeholder 2"/>
+          <p:cNvSpPr>
+            <a:spLocks noGrp="1"/>
+          </p:cNvSpPr>
+          <p:nvPr>
+            <p:ph type="body" idx="1"/>
+          </p:nvPr>
+        </p:nvSpPr>
+        <p:spPr/>
+        <p:txBody>
+          <a:bodyPr/>
+          <a:lstStyle/>
+          <a:p>
+            <a:endParaRPr lang="en-US" dirty="0"/>
+          </a:p>
+        </p:txBody>
+      </p:sp>
+      <p:sp>
+        <p:nvSpPr>
+          <p:cNvPr id="4" name="Slide Number Placeholder 3"/>
+          <p:cNvSpPr>
+            <a:spLocks noGrp="1"/>
+          </p:cNvSpPr>
+          <p:nvPr>
+            <p:ph type="sldNum" idx="10"/>
+          </p:nvPr>
+        </p:nvSpPr>
+        <p:spPr/>
+        <p:txBody>
+          <a:bodyPr/>
+          <a:lstStyle/>
+          <a:p>
+            <a:pPr marL="0" lvl="0" indent="0">
+              <a:spcBef>
+                <a:spcPts val="0"/>
+              </a:spcBef>
+              <a:buSzPct val="25000"/>
+              <a:buNone/>
+            </a:pPr>
+            <a:fld id="{00000000-1234-1234-1234-123412341234}" type="slidenum">
+              <a:rPr lang="en-US" smtClean="0"/>
+              <a:pPr marL="0" lvl="0" indent="0">
+                <a:spcBef>
+                  <a:spcPts val="0"/>
+                </a:spcBef>
+                <a:buSzPct val="25000"/>
+                <a:buNone/>
+              </a:pPr>
+              <a:t>19</a:t>
+            </a:fld>
+            <a:endParaRPr lang="en-US" dirty="0"/>
+          </a:p>
+        </p:txBody>
+      </p:sp>
+    </p:spTree>
+    <p:extLst>
+      <p:ext uri="{BB962C8B-B14F-4D97-AF65-F5344CB8AC3E}">
+        <p14:creationId xmlns:p14="http://schemas.microsoft.com/office/powerpoint/2010/main" val="1871025648"/>
+      </p:ext>
+    </p:extLst>
+  </p:cSld>
+  <p:clrMapOvr>
+    <a:masterClrMapping/>
+  </p:clrMapOvr>
+</p:notes>
+</file>
+
+<file path=ppt/notesSlides/notesSlide18.xml><?xml version="1.0" encoding="utf-8"?>
+<p:notes xmlns:a="http://schemas.openxmlformats.org/drawingml/2006/main" xmlns:r="http://schemas.openxmlformats.org/officeDocument/2006/relationships" xmlns:p="http://schemas.openxmlformats.org/presentationml/2006/main">
+  <p:cSld>
+    <p:spTree>
+      <p:nvGrpSpPr>
+        <p:cNvPr id="1" name=""/>
+        <p:cNvGrpSpPr/>
+        <p:nvPr/>
+      </p:nvGrpSpPr>
+      <p:grpSpPr>
+        <a:xfrm>
+          <a:off x="0" y="0"/>
+          <a:ext cx="0" cy="0"/>
+          <a:chOff x="0" y="0"/>
+          <a:chExt cx="0" cy="0"/>
+        </a:xfrm>
+      </p:grpSpPr>
+      <p:sp>
+        <p:nvSpPr>
+          <p:cNvPr id="2" name="Slide Image Placeholder 1"/>
+          <p:cNvSpPr>
+            <a:spLocks noGrp="1" noRot="1" noChangeAspect="1"/>
+          </p:cNvSpPr>
+          <p:nvPr>
+            <p:ph type="sldImg"/>
+          </p:nvPr>
+        </p:nvSpPr>
+        <p:spPr/>
+      </p:sp>
+      <p:sp>
+        <p:nvSpPr>
+          <p:cNvPr id="3" name="Notes Placeholder 2"/>
+          <p:cNvSpPr>
+            <a:spLocks noGrp="1"/>
+          </p:cNvSpPr>
+          <p:nvPr>
+            <p:ph type="body" idx="1"/>
+          </p:nvPr>
+        </p:nvSpPr>
+        <p:spPr/>
+        <p:txBody>
+          <a:bodyPr/>
+          <a:lstStyle/>
+          <a:p>
+            <a:endParaRPr lang="en-US" dirty="0"/>
+          </a:p>
+        </p:txBody>
+      </p:sp>
+      <p:sp>
+        <p:nvSpPr>
+          <p:cNvPr id="4" name="Slide Number Placeholder 3"/>
+          <p:cNvSpPr>
+            <a:spLocks noGrp="1"/>
+          </p:cNvSpPr>
+          <p:nvPr>
+            <p:ph type="sldNum" idx="10"/>
+          </p:nvPr>
+        </p:nvSpPr>
+        <p:spPr/>
+        <p:txBody>
+          <a:bodyPr/>
+          <a:lstStyle/>
+          <a:p>
+            <a:pPr marL="0" lvl="0" indent="0">
+              <a:spcBef>
+                <a:spcPts val="0"/>
+              </a:spcBef>
+              <a:buSzPct val="25000"/>
+              <a:buNone/>
+            </a:pPr>
+            <a:fld id="{00000000-1234-1234-1234-123412341234}" type="slidenum">
+              <a:rPr lang="en-US" smtClean="0"/>
+              <a:pPr marL="0" lvl="0" indent="0">
+                <a:spcBef>
+                  <a:spcPts val="0"/>
+                </a:spcBef>
+                <a:buSzPct val="25000"/>
+                <a:buNone/>
+              </a:pPr>
+              <a:t>20</a:t>
+            </a:fld>
+            <a:endParaRPr lang="en-US" dirty="0"/>
+          </a:p>
+        </p:txBody>
+      </p:sp>
+    </p:spTree>
+    <p:extLst>
+      <p:ext uri="{BB962C8B-B14F-4D97-AF65-F5344CB8AC3E}">
+        <p14:creationId xmlns:p14="http://schemas.microsoft.com/office/powerpoint/2010/main" val="1140825918"/>
+      </p:ext>
+    </p:extLst>
+  </p:cSld>
+  <p:clrMapOvr>
+    <a:masterClrMapping/>
+  </p:clrMapOvr>
+</p:notes>
+</file>
+
+<file path=ppt/notesSlides/notesSlide19.xml><?xml version="1.0" encoding="utf-8"?>
+<p:notes xmlns:a="http://schemas.openxmlformats.org/drawingml/2006/main" xmlns:r="http://schemas.openxmlformats.org/officeDocument/2006/relationships" xmlns:p="http://schemas.openxmlformats.org/presentationml/2006/main">
+  <p:cSld>
+    <p:spTree>
+      <p:nvGrpSpPr>
+        <p:cNvPr id="1" name=""/>
+        <p:cNvGrpSpPr/>
+        <p:nvPr/>
+      </p:nvGrpSpPr>
+      <p:grpSpPr>
+        <a:xfrm>
+          <a:off x="0" y="0"/>
+          <a:ext cx="0" cy="0"/>
+          <a:chOff x="0" y="0"/>
+          <a:chExt cx="0" cy="0"/>
+        </a:xfrm>
+      </p:grpSpPr>
+      <p:sp>
+        <p:nvSpPr>
+          <p:cNvPr id="2" name="Slide Image Placeholder 1"/>
+          <p:cNvSpPr>
+            <a:spLocks noGrp="1" noRot="1" noChangeAspect="1"/>
+          </p:cNvSpPr>
+          <p:nvPr>
+            <p:ph type="sldImg"/>
+          </p:nvPr>
+        </p:nvSpPr>
+        <p:spPr/>
+      </p:sp>
+      <p:sp>
+        <p:nvSpPr>
+          <p:cNvPr id="3" name="Notes Placeholder 2"/>
+          <p:cNvSpPr>
+            <a:spLocks noGrp="1"/>
+          </p:cNvSpPr>
+          <p:nvPr>
+            <p:ph type="body" idx="1"/>
+          </p:nvPr>
+        </p:nvSpPr>
+        <p:spPr/>
+        <p:txBody>
+          <a:bodyPr/>
+          <a:lstStyle/>
+          <a:p>
+            <a:endParaRPr lang="en-US" dirty="0"/>
+          </a:p>
+        </p:txBody>
+      </p:sp>
+      <p:sp>
+        <p:nvSpPr>
+          <p:cNvPr id="4" name="Slide Number Placeholder 3"/>
+          <p:cNvSpPr>
+            <a:spLocks noGrp="1"/>
+          </p:cNvSpPr>
+          <p:nvPr>
+            <p:ph type="sldNum" idx="10"/>
+          </p:nvPr>
+        </p:nvSpPr>
+        <p:spPr/>
+        <p:txBody>
+          <a:bodyPr/>
+          <a:lstStyle/>
+          <a:p>
+            <a:pPr marL="0" lvl="0" indent="0">
+              <a:spcBef>
+                <a:spcPts val="0"/>
+              </a:spcBef>
+              <a:buSzPct val="25000"/>
+              <a:buNone/>
+            </a:pPr>
+            <a:fld id="{00000000-1234-1234-1234-123412341234}" type="slidenum">
+              <a:rPr lang="en-US" smtClean="0"/>
+              <a:pPr marL="0" lvl="0" indent="0">
+                <a:spcBef>
+                  <a:spcPts val="0"/>
+                </a:spcBef>
+                <a:buSzPct val="25000"/>
+                <a:buNone/>
+              </a:pPr>
+              <a:t>21</a:t>
+            </a:fld>
+            <a:endParaRPr lang="en-US" dirty="0"/>
+          </a:p>
+        </p:txBody>
+      </p:sp>
+    </p:spTree>
+    <p:extLst>
+      <p:ext uri="{BB962C8B-B14F-4D97-AF65-F5344CB8AC3E}">
+        <p14:creationId xmlns:p14="http://schemas.microsoft.com/office/powerpoint/2010/main" val="2015695953"/>
       </p:ext>
     </p:extLst>
   </p:cSld>
@@ -1684,6 +2184,594 @@
     <p:extLst>
       <p:ext uri="{BB962C8B-B14F-4D97-AF65-F5344CB8AC3E}">
         <p14:creationId xmlns:p14="http://schemas.microsoft.com/office/powerpoint/2010/main" val="1975901611"/>
+      </p:ext>
+    </p:extLst>
+  </p:cSld>
+  <p:clrMapOvr>
+    <a:masterClrMapping/>
+  </p:clrMapOvr>
+</p:notes>
+</file>
+
+<file path=ppt/notesSlides/notesSlide20.xml><?xml version="1.0" encoding="utf-8"?>
+<p:notes xmlns:a="http://schemas.openxmlformats.org/drawingml/2006/main" xmlns:r="http://schemas.openxmlformats.org/officeDocument/2006/relationships" xmlns:p="http://schemas.openxmlformats.org/presentationml/2006/main">
+  <p:cSld>
+    <p:spTree>
+      <p:nvGrpSpPr>
+        <p:cNvPr id="1" name=""/>
+        <p:cNvGrpSpPr/>
+        <p:nvPr/>
+      </p:nvGrpSpPr>
+      <p:grpSpPr>
+        <a:xfrm>
+          <a:off x="0" y="0"/>
+          <a:ext cx="0" cy="0"/>
+          <a:chOff x="0" y="0"/>
+          <a:chExt cx="0" cy="0"/>
+        </a:xfrm>
+      </p:grpSpPr>
+      <p:sp>
+        <p:nvSpPr>
+          <p:cNvPr id="2" name="Slide Image Placeholder 1"/>
+          <p:cNvSpPr>
+            <a:spLocks noGrp="1" noRot="1" noChangeAspect="1"/>
+          </p:cNvSpPr>
+          <p:nvPr>
+            <p:ph type="sldImg"/>
+          </p:nvPr>
+        </p:nvSpPr>
+        <p:spPr/>
+      </p:sp>
+      <p:sp>
+        <p:nvSpPr>
+          <p:cNvPr id="3" name="Notes Placeholder 2"/>
+          <p:cNvSpPr>
+            <a:spLocks noGrp="1"/>
+          </p:cNvSpPr>
+          <p:nvPr>
+            <p:ph type="body" idx="1"/>
+          </p:nvPr>
+        </p:nvSpPr>
+        <p:spPr/>
+        <p:txBody>
+          <a:bodyPr/>
+          <a:lstStyle/>
+          <a:p>
+            <a:endParaRPr lang="en-US" dirty="0"/>
+          </a:p>
+        </p:txBody>
+      </p:sp>
+      <p:sp>
+        <p:nvSpPr>
+          <p:cNvPr id="4" name="Slide Number Placeholder 3"/>
+          <p:cNvSpPr>
+            <a:spLocks noGrp="1"/>
+          </p:cNvSpPr>
+          <p:nvPr>
+            <p:ph type="sldNum" idx="10"/>
+          </p:nvPr>
+        </p:nvSpPr>
+        <p:spPr/>
+        <p:txBody>
+          <a:bodyPr/>
+          <a:lstStyle/>
+          <a:p>
+            <a:pPr marL="0" lvl="0" indent="0">
+              <a:spcBef>
+                <a:spcPts val="0"/>
+              </a:spcBef>
+              <a:buSzPct val="25000"/>
+              <a:buNone/>
+            </a:pPr>
+            <a:fld id="{00000000-1234-1234-1234-123412341234}" type="slidenum">
+              <a:rPr lang="en-US" smtClean="0"/>
+              <a:pPr marL="0" lvl="0" indent="0">
+                <a:spcBef>
+                  <a:spcPts val="0"/>
+                </a:spcBef>
+                <a:buSzPct val="25000"/>
+                <a:buNone/>
+              </a:pPr>
+              <a:t>22</a:t>
+            </a:fld>
+            <a:endParaRPr lang="en-US" dirty="0"/>
+          </a:p>
+        </p:txBody>
+      </p:sp>
+    </p:spTree>
+    <p:extLst>
+      <p:ext uri="{BB962C8B-B14F-4D97-AF65-F5344CB8AC3E}">
+        <p14:creationId xmlns:p14="http://schemas.microsoft.com/office/powerpoint/2010/main" val="1710131721"/>
+      </p:ext>
+    </p:extLst>
+  </p:cSld>
+  <p:clrMapOvr>
+    <a:masterClrMapping/>
+  </p:clrMapOvr>
+</p:notes>
+</file>
+
+<file path=ppt/notesSlides/notesSlide21.xml><?xml version="1.0" encoding="utf-8"?>
+<p:notes xmlns:a="http://schemas.openxmlformats.org/drawingml/2006/main" xmlns:r="http://schemas.openxmlformats.org/officeDocument/2006/relationships" xmlns:p="http://schemas.openxmlformats.org/presentationml/2006/main">
+  <p:cSld>
+    <p:spTree>
+      <p:nvGrpSpPr>
+        <p:cNvPr id="1" name=""/>
+        <p:cNvGrpSpPr/>
+        <p:nvPr/>
+      </p:nvGrpSpPr>
+      <p:grpSpPr>
+        <a:xfrm>
+          <a:off x="0" y="0"/>
+          <a:ext cx="0" cy="0"/>
+          <a:chOff x="0" y="0"/>
+          <a:chExt cx="0" cy="0"/>
+        </a:xfrm>
+      </p:grpSpPr>
+      <p:sp>
+        <p:nvSpPr>
+          <p:cNvPr id="2" name="Slide Image Placeholder 1"/>
+          <p:cNvSpPr>
+            <a:spLocks noGrp="1" noRot="1" noChangeAspect="1"/>
+          </p:cNvSpPr>
+          <p:nvPr>
+            <p:ph type="sldImg"/>
+          </p:nvPr>
+        </p:nvSpPr>
+        <p:spPr/>
+      </p:sp>
+      <p:sp>
+        <p:nvSpPr>
+          <p:cNvPr id="3" name="Notes Placeholder 2"/>
+          <p:cNvSpPr>
+            <a:spLocks noGrp="1"/>
+          </p:cNvSpPr>
+          <p:nvPr>
+            <p:ph type="body" idx="1"/>
+          </p:nvPr>
+        </p:nvSpPr>
+        <p:spPr/>
+        <p:txBody>
+          <a:bodyPr/>
+          <a:lstStyle/>
+          <a:p>
+            <a:endParaRPr lang="en-US" dirty="0"/>
+          </a:p>
+        </p:txBody>
+      </p:sp>
+      <p:sp>
+        <p:nvSpPr>
+          <p:cNvPr id="4" name="Slide Number Placeholder 3"/>
+          <p:cNvSpPr>
+            <a:spLocks noGrp="1"/>
+          </p:cNvSpPr>
+          <p:nvPr>
+            <p:ph type="sldNum" idx="10"/>
+          </p:nvPr>
+        </p:nvSpPr>
+        <p:spPr/>
+        <p:txBody>
+          <a:bodyPr/>
+          <a:lstStyle/>
+          <a:p>
+            <a:pPr marL="0" lvl="0" indent="0">
+              <a:spcBef>
+                <a:spcPts val="0"/>
+              </a:spcBef>
+              <a:buSzPct val="25000"/>
+              <a:buNone/>
+            </a:pPr>
+            <a:fld id="{00000000-1234-1234-1234-123412341234}" type="slidenum">
+              <a:rPr lang="en-US" smtClean="0"/>
+              <a:pPr marL="0" lvl="0" indent="0">
+                <a:spcBef>
+                  <a:spcPts val="0"/>
+                </a:spcBef>
+                <a:buSzPct val="25000"/>
+                <a:buNone/>
+              </a:pPr>
+              <a:t>23</a:t>
+            </a:fld>
+            <a:endParaRPr lang="en-US" dirty="0"/>
+          </a:p>
+        </p:txBody>
+      </p:sp>
+    </p:spTree>
+    <p:extLst>
+      <p:ext uri="{BB962C8B-B14F-4D97-AF65-F5344CB8AC3E}">
+        <p14:creationId xmlns:p14="http://schemas.microsoft.com/office/powerpoint/2010/main" val="1171607202"/>
+      </p:ext>
+    </p:extLst>
+  </p:cSld>
+  <p:clrMapOvr>
+    <a:masterClrMapping/>
+  </p:clrMapOvr>
+</p:notes>
+</file>
+
+<file path=ppt/notesSlides/notesSlide22.xml><?xml version="1.0" encoding="utf-8"?>
+<p:notes xmlns:a="http://schemas.openxmlformats.org/drawingml/2006/main" xmlns:r="http://schemas.openxmlformats.org/officeDocument/2006/relationships" xmlns:p="http://schemas.openxmlformats.org/presentationml/2006/main">
+  <p:cSld>
+    <p:spTree>
+      <p:nvGrpSpPr>
+        <p:cNvPr id="1" name=""/>
+        <p:cNvGrpSpPr/>
+        <p:nvPr/>
+      </p:nvGrpSpPr>
+      <p:grpSpPr>
+        <a:xfrm>
+          <a:off x="0" y="0"/>
+          <a:ext cx="0" cy="0"/>
+          <a:chOff x="0" y="0"/>
+          <a:chExt cx="0" cy="0"/>
+        </a:xfrm>
+      </p:grpSpPr>
+      <p:sp>
+        <p:nvSpPr>
+          <p:cNvPr id="2" name="Slide Image Placeholder 1"/>
+          <p:cNvSpPr>
+            <a:spLocks noGrp="1" noRot="1" noChangeAspect="1"/>
+          </p:cNvSpPr>
+          <p:nvPr>
+            <p:ph type="sldImg"/>
+          </p:nvPr>
+        </p:nvSpPr>
+        <p:spPr/>
+      </p:sp>
+      <p:sp>
+        <p:nvSpPr>
+          <p:cNvPr id="3" name="Notes Placeholder 2"/>
+          <p:cNvSpPr>
+            <a:spLocks noGrp="1"/>
+          </p:cNvSpPr>
+          <p:nvPr>
+            <p:ph type="body" idx="1"/>
+          </p:nvPr>
+        </p:nvSpPr>
+        <p:spPr/>
+        <p:txBody>
+          <a:bodyPr/>
+          <a:lstStyle/>
+          <a:p>
+            <a:endParaRPr lang="en-US" dirty="0"/>
+          </a:p>
+        </p:txBody>
+      </p:sp>
+      <p:sp>
+        <p:nvSpPr>
+          <p:cNvPr id="4" name="Slide Number Placeholder 3"/>
+          <p:cNvSpPr>
+            <a:spLocks noGrp="1"/>
+          </p:cNvSpPr>
+          <p:nvPr>
+            <p:ph type="sldNum" idx="10"/>
+          </p:nvPr>
+        </p:nvSpPr>
+        <p:spPr/>
+        <p:txBody>
+          <a:bodyPr/>
+          <a:lstStyle/>
+          <a:p>
+            <a:pPr marL="0" lvl="0" indent="0">
+              <a:spcBef>
+                <a:spcPts val="0"/>
+              </a:spcBef>
+              <a:buSzPct val="25000"/>
+              <a:buNone/>
+            </a:pPr>
+            <a:fld id="{00000000-1234-1234-1234-123412341234}" type="slidenum">
+              <a:rPr lang="en-US" smtClean="0"/>
+              <a:pPr marL="0" lvl="0" indent="0">
+                <a:spcBef>
+                  <a:spcPts val="0"/>
+                </a:spcBef>
+                <a:buSzPct val="25000"/>
+                <a:buNone/>
+              </a:pPr>
+              <a:t>24</a:t>
+            </a:fld>
+            <a:endParaRPr lang="en-US" dirty="0"/>
+          </a:p>
+        </p:txBody>
+      </p:sp>
+    </p:spTree>
+    <p:extLst>
+      <p:ext uri="{BB962C8B-B14F-4D97-AF65-F5344CB8AC3E}">
+        <p14:creationId xmlns:p14="http://schemas.microsoft.com/office/powerpoint/2010/main" val="253616421"/>
+      </p:ext>
+    </p:extLst>
+  </p:cSld>
+  <p:clrMapOvr>
+    <a:masterClrMapping/>
+  </p:clrMapOvr>
+</p:notes>
+</file>
+
+<file path=ppt/notesSlides/notesSlide23.xml><?xml version="1.0" encoding="utf-8"?>
+<p:notes xmlns:a="http://schemas.openxmlformats.org/drawingml/2006/main" xmlns:r="http://schemas.openxmlformats.org/officeDocument/2006/relationships" xmlns:p="http://schemas.openxmlformats.org/presentationml/2006/main">
+  <p:cSld>
+    <p:spTree>
+      <p:nvGrpSpPr>
+        <p:cNvPr id="1" name=""/>
+        <p:cNvGrpSpPr/>
+        <p:nvPr/>
+      </p:nvGrpSpPr>
+      <p:grpSpPr>
+        <a:xfrm>
+          <a:off x="0" y="0"/>
+          <a:ext cx="0" cy="0"/>
+          <a:chOff x="0" y="0"/>
+          <a:chExt cx="0" cy="0"/>
+        </a:xfrm>
+      </p:grpSpPr>
+      <p:sp>
+        <p:nvSpPr>
+          <p:cNvPr id="2" name="Slide Image Placeholder 1"/>
+          <p:cNvSpPr>
+            <a:spLocks noGrp="1" noRot="1" noChangeAspect="1"/>
+          </p:cNvSpPr>
+          <p:nvPr>
+            <p:ph type="sldImg"/>
+          </p:nvPr>
+        </p:nvSpPr>
+        <p:spPr/>
+      </p:sp>
+      <p:sp>
+        <p:nvSpPr>
+          <p:cNvPr id="3" name="Notes Placeholder 2"/>
+          <p:cNvSpPr>
+            <a:spLocks noGrp="1"/>
+          </p:cNvSpPr>
+          <p:nvPr>
+            <p:ph type="body" idx="1"/>
+          </p:nvPr>
+        </p:nvSpPr>
+        <p:spPr/>
+        <p:txBody>
+          <a:bodyPr/>
+          <a:lstStyle/>
+          <a:p>
+            <a:endParaRPr lang="en-US" dirty="0"/>
+          </a:p>
+        </p:txBody>
+      </p:sp>
+      <p:sp>
+        <p:nvSpPr>
+          <p:cNvPr id="4" name="Slide Number Placeholder 3"/>
+          <p:cNvSpPr>
+            <a:spLocks noGrp="1"/>
+          </p:cNvSpPr>
+          <p:nvPr>
+            <p:ph type="sldNum" idx="10"/>
+          </p:nvPr>
+        </p:nvSpPr>
+        <p:spPr/>
+        <p:txBody>
+          <a:bodyPr/>
+          <a:lstStyle/>
+          <a:p>
+            <a:pPr marL="0" lvl="0" indent="0">
+              <a:spcBef>
+                <a:spcPts val="0"/>
+              </a:spcBef>
+              <a:buSzPct val="25000"/>
+              <a:buNone/>
+            </a:pPr>
+            <a:fld id="{00000000-1234-1234-1234-123412341234}" type="slidenum">
+              <a:rPr lang="en-US" smtClean="0"/>
+              <a:pPr marL="0" lvl="0" indent="0">
+                <a:spcBef>
+                  <a:spcPts val="0"/>
+                </a:spcBef>
+                <a:buSzPct val="25000"/>
+                <a:buNone/>
+              </a:pPr>
+              <a:t>25</a:t>
+            </a:fld>
+            <a:endParaRPr lang="en-US" dirty="0"/>
+          </a:p>
+        </p:txBody>
+      </p:sp>
+    </p:spTree>
+    <p:extLst>
+      <p:ext uri="{BB962C8B-B14F-4D97-AF65-F5344CB8AC3E}">
+        <p14:creationId xmlns:p14="http://schemas.microsoft.com/office/powerpoint/2010/main" val="713496377"/>
+      </p:ext>
+    </p:extLst>
+  </p:cSld>
+  <p:clrMapOvr>
+    <a:masterClrMapping/>
+  </p:clrMapOvr>
+</p:notes>
+</file>
+
+<file path=ppt/notesSlides/notesSlide24.xml><?xml version="1.0" encoding="utf-8"?>
+<p:notes xmlns:a="http://schemas.openxmlformats.org/drawingml/2006/main" xmlns:r="http://schemas.openxmlformats.org/officeDocument/2006/relationships" xmlns:p="http://schemas.openxmlformats.org/presentationml/2006/main">
+  <p:cSld>
+    <p:spTree>
+      <p:nvGrpSpPr>
+        <p:cNvPr id="1" name=""/>
+        <p:cNvGrpSpPr/>
+        <p:nvPr/>
+      </p:nvGrpSpPr>
+      <p:grpSpPr>
+        <a:xfrm>
+          <a:off x="0" y="0"/>
+          <a:ext cx="0" cy="0"/>
+          <a:chOff x="0" y="0"/>
+          <a:chExt cx="0" cy="0"/>
+        </a:xfrm>
+      </p:grpSpPr>
+      <p:sp>
+        <p:nvSpPr>
+          <p:cNvPr id="2" name="Slide Image Placeholder 1"/>
+          <p:cNvSpPr>
+            <a:spLocks noGrp="1" noRot="1" noChangeAspect="1"/>
+          </p:cNvSpPr>
+          <p:nvPr>
+            <p:ph type="sldImg"/>
+          </p:nvPr>
+        </p:nvSpPr>
+        <p:spPr/>
+      </p:sp>
+      <p:sp>
+        <p:nvSpPr>
+          <p:cNvPr id="3" name="Notes Placeholder 2"/>
+          <p:cNvSpPr>
+            <a:spLocks noGrp="1"/>
+          </p:cNvSpPr>
+          <p:nvPr>
+            <p:ph type="body" idx="1"/>
+          </p:nvPr>
+        </p:nvSpPr>
+        <p:spPr/>
+        <p:txBody>
+          <a:bodyPr/>
+          <a:lstStyle/>
+          <a:p>
+            <a:endParaRPr lang="en-US" dirty="0"/>
+          </a:p>
+        </p:txBody>
+      </p:sp>
+      <p:sp>
+        <p:nvSpPr>
+          <p:cNvPr id="4" name="Slide Number Placeholder 3"/>
+          <p:cNvSpPr>
+            <a:spLocks noGrp="1"/>
+          </p:cNvSpPr>
+          <p:nvPr>
+            <p:ph type="sldNum" idx="10"/>
+          </p:nvPr>
+        </p:nvSpPr>
+        <p:spPr/>
+        <p:txBody>
+          <a:bodyPr/>
+          <a:lstStyle/>
+          <a:p>
+            <a:pPr marL="0" lvl="0" indent="0">
+              <a:spcBef>
+                <a:spcPts val="0"/>
+              </a:spcBef>
+              <a:buSzPct val="25000"/>
+              <a:buNone/>
+            </a:pPr>
+            <a:fld id="{00000000-1234-1234-1234-123412341234}" type="slidenum">
+              <a:rPr lang="en-US" smtClean="0"/>
+              <a:pPr marL="0" lvl="0" indent="0">
+                <a:spcBef>
+                  <a:spcPts val="0"/>
+                </a:spcBef>
+                <a:buSzPct val="25000"/>
+                <a:buNone/>
+              </a:pPr>
+              <a:t>26</a:t>
+            </a:fld>
+            <a:endParaRPr lang="en-US" dirty="0"/>
+          </a:p>
+        </p:txBody>
+      </p:sp>
+    </p:spTree>
+    <p:extLst>
+      <p:ext uri="{BB962C8B-B14F-4D97-AF65-F5344CB8AC3E}">
+        <p14:creationId xmlns:p14="http://schemas.microsoft.com/office/powerpoint/2010/main" val="1620783842"/>
+      </p:ext>
+    </p:extLst>
+  </p:cSld>
+  <p:clrMapOvr>
+    <a:masterClrMapping/>
+  </p:clrMapOvr>
+</p:notes>
+</file>
+
+<file path=ppt/notesSlides/notesSlide25.xml><?xml version="1.0" encoding="utf-8"?>
+<p:notes xmlns:a="http://schemas.openxmlformats.org/drawingml/2006/main" xmlns:r="http://schemas.openxmlformats.org/officeDocument/2006/relationships" xmlns:p="http://schemas.openxmlformats.org/presentationml/2006/main">
+  <p:cSld>
+    <p:spTree>
+      <p:nvGrpSpPr>
+        <p:cNvPr id="1" name=""/>
+        <p:cNvGrpSpPr/>
+        <p:nvPr/>
+      </p:nvGrpSpPr>
+      <p:grpSpPr>
+        <a:xfrm>
+          <a:off x="0" y="0"/>
+          <a:ext cx="0" cy="0"/>
+          <a:chOff x="0" y="0"/>
+          <a:chExt cx="0" cy="0"/>
+        </a:xfrm>
+      </p:grpSpPr>
+      <p:sp>
+        <p:nvSpPr>
+          <p:cNvPr id="2" name="Slide Image Placeholder 1"/>
+          <p:cNvSpPr>
+            <a:spLocks noGrp="1" noRot="1" noChangeAspect="1"/>
+          </p:cNvSpPr>
+          <p:nvPr>
+            <p:ph type="sldImg"/>
+          </p:nvPr>
+        </p:nvSpPr>
+        <p:spPr/>
+      </p:sp>
+      <p:sp>
+        <p:nvSpPr>
+          <p:cNvPr id="3" name="Notes Placeholder 2"/>
+          <p:cNvSpPr>
+            <a:spLocks noGrp="1"/>
+          </p:cNvSpPr>
+          <p:nvPr>
+            <p:ph type="body" idx="1"/>
+          </p:nvPr>
+        </p:nvSpPr>
+        <p:spPr/>
+        <p:txBody>
+          <a:bodyPr/>
+          <a:lstStyle/>
+          <a:p>
+            <a:endParaRPr lang="en-US" dirty="0"/>
+          </a:p>
+        </p:txBody>
+      </p:sp>
+      <p:sp>
+        <p:nvSpPr>
+          <p:cNvPr id="4" name="Slide Number Placeholder 3"/>
+          <p:cNvSpPr>
+            <a:spLocks noGrp="1"/>
+          </p:cNvSpPr>
+          <p:nvPr>
+            <p:ph type="sldNum" idx="10"/>
+          </p:nvPr>
+        </p:nvSpPr>
+        <p:spPr/>
+        <p:txBody>
+          <a:bodyPr/>
+          <a:lstStyle/>
+          <a:p>
+            <a:pPr marL="0" lvl="0" indent="0">
+              <a:spcBef>
+                <a:spcPts val="0"/>
+              </a:spcBef>
+              <a:buSzPct val="25000"/>
+              <a:buNone/>
+            </a:pPr>
+            <a:fld id="{00000000-1234-1234-1234-123412341234}" type="slidenum">
+              <a:rPr lang="en-US" smtClean="0"/>
+              <a:pPr marL="0" lvl="0" indent="0">
+                <a:spcBef>
+                  <a:spcPts val="0"/>
+                </a:spcBef>
+                <a:buSzPct val="25000"/>
+                <a:buNone/>
+              </a:pPr>
+              <a:t>27</a:t>
+            </a:fld>
+            <a:endParaRPr lang="en-US" dirty="0"/>
+          </a:p>
+        </p:txBody>
+      </p:sp>
+    </p:spTree>
+    <p:extLst>
+      <p:ext uri="{BB962C8B-B14F-4D97-AF65-F5344CB8AC3E}">
+        <p14:creationId xmlns:p14="http://schemas.microsoft.com/office/powerpoint/2010/main" val="201131103"/>
       </p:ext>
     </p:extLst>
   </p:cSld>
@@ -2200,7 +3288,7 @@
     </p:spTree>
     <p:extLst>
       <p:ext uri="{BB962C8B-B14F-4D97-AF65-F5344CB8AC3E}">
-        <p14:creationId xmlns:p14="http://schemas.microsoft.com/office/powerpoint/2010/main" val="1951572416"/>
+        <p14:creationId xmlns:p14="http://schemas.microsoft.com/office/powerpoint/2010/main" val="1677706739"/>
       </p:ext>
     </p:extLst>
   </p:cSld>
@@ -2291,14 +3379,14 @@
               </a:pPr>
               <a:t>10</a:t>
             </a:fld>
-            <a:endParaRPr lang="en-US"/>
+            <a:endParaRPr lang="en-US" dirty="0"/>
           </a:p>
         </p:txBody>
       </p:sp>
     </p:spTree>
     <p:extLst>
       <p:ext uri="{BB962C8B-B14F-4D97-AF65-F5344CB8AC3E}">
-        <p14:creationId xmlns:p14="http://schemas.microsoft.com/office/powerpoint/2010/main" val="239119914"/>
+        <p14:creationId xmlns:p14="http://schemas.microsoft.com/office/powerpoint/2010/main" val="1951572416"/>
       </p:ext>
     </p:extLst>
   </p:cSld>
@@ -2389,14 +3477,14 @@
               </a:pPr>
               <a:t>11</a:t>
             </a:fld>
-            <a:endParaRPr lang="en-US" dirty="0"/>
+            <a:endParaRPr lang="en-US"/>
           </a:p>
         </p:txBody>
       </p:sp>
     </p:spTree>
     <p:extLst>
       <p:ext uri="{BB962C8B-B14F-4D97-AF65-F5344CB8AC3E}">
-        <p14:creationId xmlns:p14="http://schemas.microsoft.com/office/powerpoint/2010/main" val="1830101089"/>
+        <p14:creationId xmlns:p14="http://schemas.microsoft.com/office/powerpoint/2010/main" val="239119914"/>
       </p:ext>
     </p:extLst>
   </p:cSld>
@@ -7053,7 +8141,17 @@
                   </a:schemeClr>
                 </a:solidFill>
               </a:rPr>
-              <a:t>(Draft Version 0.1)</a:t>
+              <a:t>(Draft Version </a:t>
+            </a:r>
+            <a:r>
+              <a:rPr lang="en-US" dirty="0" smtClean="0">
+                <a:solidFill>
+                  <a:schemeClr val="bg1">
+                    <a:lumMod val="85000"/>
+                  </a:schemeClr>
+                </a:solidFill>
+              </a:rPr>
+              <a:t>0.2)</a:t>
             </a:r>
             <a:endParaRPr lang="en-US" dirty="0" smtClean="0">
               <a:solidFill>
@@ -7142,7 +8240,23 @@
             </a:r>
             <a:r>
               <a:rPr lang="en-US" dirty="0" smtClean="0"/>
-              <a:t> September, 2016</a:t>
+              <a:t> </a:t>
+            </a:r>
+            <a:r>
+              <a:rPr lang="en-US" dirty="0" smtClean="0"/>
+              <a:t>&amp; 28</a:t>
+            </a:r>
+            <a:r>
+              <a:rPr lang="en-US" baseline="30000" dirty="0" smtClean="0"/>
+              <a:t>th</a:t>
+            </a:r>
+            <a:r>
+              <a:rPr lang="en-US" dirty="0" smtClean="0"/>
+              <a:t> September</a:t>
+            </a:r>
+            <a:r>
+              <a:rPr lang="en-US" dirty="0" smtClean="0"/>
+              <a:t>, 2016</a:t>
             </a:r>
             <a:endParaRPr lang="en-US" dirty="0"/>
           </a:p>
@@ -7192,6 +8306,100 @@
             <a:spLocks noGrp="1"/>
           </p:cNvSpPr>
           <p:nvPr>
+            <p:ph type="ctrTitle"/>
+          </p:nvPr>
+        </p:nvSpPr>
+        <p:spPr/>
+        <p:txBody>
+          <a:bodyPr>
+            <a:normAutofit fontScale="90000"/>
+          </a:bodyPr>
+          <a:lstStyle/>
+          <a:p>
+            <a:endParaRPr lang="en-US" dirty="0"/>
+          </a:p>
+        </p:txBody>
+      </p:sp>
+      <p:sp>
+        <p:nvSpPr>
+          <p:cNvPr id="3" name="Subtitle 2"/>
+          <p:cNvSpPr>
+            <a:spLocks noGrp="1"/>
+          </p:cNvSpPr>
+          <p:nvPr>
+            <p:ph type="subTitle" idx="1"/>
+          </p:nvPr>
+        </p:nvSpPr>
+        <p:spPr>
+          <a:xfrm>
+            <a:off x="685800" y="1572687"/>
+            <a:ext cx="7953957" cy="927806"/>
+          </a:xfrm>
+        </p:spPr>
+        <p:txBody>
+          <a:bodyPr>
+            <a:noAutofit/>
+          </a:bodyPr>
+          <a:lstStyle/>
+          <a:p>
+            <a:r>
+              <a:rPr lang="en-US" sz="5400" dirty="0" smtClean="0"/>
+              <a:t>Workshop #1</a:t>
+            </a:r>
+          </a:p>
+          <a:p>
+            <a:r>
+              <a:rPr lang="en-US" sz="5400" dirty="0" smtClean="0"/>
+              <a:t>Use Case 1: Classification</a:t>
+            </a:r>
+            <a:endParaRPr lang="en-US" sz="5400" dirty="0"/>
+          </a:p>
+        </p:txBody>
+      </p:sp>
+    </p:spTree>
+    <p:extLst>
+      <p:ext uri="{BB962C8B-B14F-4D97-AF65-F5344CB8AC3E}">
+        <p14:creationId xmlns:p14="http://schemas.microsoft.com/office/powerpoint/2010/main" val="63236062"/>
+      </p:ext>
+    </p:extLst>
+  </p:cSld>
+  <p:clrMapOvr>
+    <a:masterClrMapping/>
+  </p:clrMapOvr>
+  <p:timing>
+    <p:tnLst>
+      <p:par>
+        <p:cTn id="1" dur="indefinite" restart="never" nodeType="tmRoot"/>
+      </p:par>
+    </p:tnLst>
+  </p:timing>
+</p:sld>
+</file>
+
+<file path=ppt/slides/slide11.xml><?xml version="1.0" encoding="utf-8"?>
+<p:sld xmlns:a="http://schemas.openxmlformats.org/drawingml/2006/main" xmlns:r="http://schemas.openxmlformats.org/officeDocument/2006/relationships" xmlns:p="http://schemas.openxmlformats.org/presentationml/2006/main">
+  <p:cSld>
+    <p:spTree>
+      <p:nvGrpSpPr>
+        <p:cNvPr id="1" name=""/>
+        <p:cNvGrpSpPr/>
+        <p:nvPr/>
+      </p:nvGrpSpPr>
+      <p:grpSpPr>
+        <a:xfrm>
+          <a:off x="0" y="0"/>
+          <a:ext cx="0" cy="0"/>
+          <a:chOff x="0" y="0"/>
+          <a:chExt cx="0" cy="0"/>
+        </a:xfrm>
+      </p:grpSpPr>
+      <p:sp>
+        <p:nvSpPr>
+          <p:cNvPr id="2" name="Title 1"/>
+          <p:cNvSpPr>
+            <a:spLocks noGrp="1"/>
+          </p:cNvSpPr>
+          <p:nvPr>
             <p:ph type="title"/>
           </p:nvPr>
         </p:nvSpPr>
@@ -7202,15 +8410,7 @@
           <a:p>
             <a:r>
               <a:rPr lang="en-US" dirty="0" smtClean="0"/>
-              <a:t>Download </a:t>
-            </a:r>
-            <a:r>
-              <a:rPr lang="en-US" dirty="0" smtClean="0"/>
-              <a:t>Data &amp; Code </a:t>
-            </a:r>
-            <a:r>
-              <a:rPr lang="en-US" dirty="0" smtClean="0"/>
-              <a:t>for Workshop</a:t>
+              <a:t>Download Data &amp; Code for Workshop</a:t>
             </a:r>
             <a:endParaRPr lang="en-US" dirty="0"/>
           </a:p>
@@ -7238,15 +8438,7 @@
           <a:p>
             <a:r>
               <a:rPr lang="en-US" dirty="0" smtClean="0"/>
-              <a:t>Please </a:t>
-            </a:r>
-            <a:r>
-              <a:rPr lang="en-US" dirty="0" smtClean="0"/>
-              <a:t>go to </a:t>
-            </a:r>
-            <a:r>
-              <a:rPr lang="en-US" dirty="0" smtClean="0"/>
-              <a:t/>
+              <a:t>Please go to </a:t>
             </a:r>
             <a:br>
               <a:rPr lang="en-US" dirty="0" smtClean="0"/>
@@ -7284,7 +8476,7 @@
             <a:fld id="{AC8A4197-7A9D-5842-BD4B-E3CFC351F871}" type="slidenum">
               <a:rPr lang="en-US" smtClean="0"/>
               <a:pPr/>
-              <a:t>10</a:t>
+              <a:t>11</a:t>
             </a:fld>
             <a:endParaRPr lang="en-US"/>
           </a:p>
@@ -7443,128 +8635,6 @@
 </p:sld>
 </file>
 
-<file path=ppt/slides/slide11.xml><?xml version="1.0" encoding="utf-8"?>
-<p:sld xmlns:a="http://schemas.openxmlformats.org/drawingml/2006/main" xmlns:r="http://schemas.openxmlformats.org/officeDocument/2006/relationships" xmlns:p="http://schemas.openxmlformats.org/presentationml/2006/main">
-  <p:cSld>
-    <p:spTree>
-      <p:nvGrpSpPr>
-        <p:cNvPr id="1" name=""/>
-        <p:cNvGrpSpPr/>
-        <p:nvPr/>
-      </p:nvGrpSpPr>
-      <p:grpSpPr>
-        <a:xfrm>
-          <a:off x="0" y="0"/>
-          <a:ext cx="0" cy="0"/>
-          <a:chOff x="0" y="0"/>
-          <a:chExt cx="0" cy="0"/>
-        </a:xfrm>
-      </p:grpSpPr>
-      <p:sp>
-        <p:nvSpPr>
-          <p:cNvPr id="2" name="Title 1"/>
-          <p:cNvSpPr>
-            <a:spLocks noGrp="1"/>
-          </p:cNvSpPr>
-          <p:nvPr>
-            <p:ph type="ctrTitle"/>
-          </p:nvPr>
-        </p:nvSpPr>
-        <p:spPr/>
-        <p:txBody>
-          <a:bodyPr>
-            <a:normAutofit fontScale="90000"/>
-          </a:bodyPr>
-          <a:lstStyle/>
-          <a:p>
-            <a:endParaRPr lang="en-US" dirty="0"/>
-          </a:p>
-        </p:txBody>
-      </p:sp>
-      <p:sp>
-        <p:nvSpPr>
-          <p:cNvPr id="3" name="Subtitle 2"/>
-          <p:cNvSpPr>
-            <a:spLocks noGrp="1"/>
-          </p:cNvSpPr>
-          <p:nvPr>
-            <p:ph type="subTitle" idx="1"/>
-          </p:nvPr>
-        </p:nvSpPr>
-        <p:spPr>
-          <a:xfrm>
-            <a:off x="685800" y="1240992"/>
-            <a:ext cx="7953957" cy="3133784"/>
-          </a:xfrm>
-        </p:spPr>
-        <p:txBody>
-          <a:bodyPr>
-            <a:noAutofit/>
-          </a:bodyPr>
-          <a:lstStyle/>
-          <a:p>
-            <a:r>
-              <a:rPr lang="en-US" dirty="0" smtClean="0">
-                <a:solidFill>
-                  <a:schemeClr val="tx1">
-                    <a:lumMod val="65000"/>
-                    <a:lumOff val="35000"/>
-                  </a:schemeClr>
-                </a:solidFill>
-              </a:rPr>
-              <a:t>Workshop #1</a:t>
-            </a:r>
-          </a:p>
-          <a:p>
-            <a:r>
-              <a:rPr lang="en-US" dirty="0" smtClean="0">
-                <a:solidFill>
-                  <a:schemeClr val="tx1">
-                    <a:lumMod val="65000"/>
-                    <a:lumOff val="35000"/>
-                  </a:schemeClr>
-                </a:solidFill>
-              </a:rPr>
-              <a:t>Use Case 1: Classification</a:t>
-            </a:r>
-            <a:endParaRPr lang="en-US" dirty="0" smtClean="0">
-              <a:solidFill>
-                <a:schemeClr val="tx1">
-                  <a:lumMod val="65000"/>
-                  <a:lumOff val="35000"/>
-                </a:schemeClr>
-              </a:solidFill>
-            </a:endParaRPr>
-          </a:p>
-          <a:p>
-            <a:r>
-              <a:rPr lang="en-US" sz="5400" dirty="0" smtClean="0"/>
-              <a:t>Step 1: Install R Packages</a:t>
-            </a:r>
-            <a:endParaRPr lang="en-US" sz="5400" dirty="0"/>
-          </a:p>
-        </p:txBody>
-      </p:sp>
-    </p:spTree>
-    <p:extLst>
-      <p:ext uri="{BB962C8B-B14F-4D97-AF65-F5344CB8AC3E}">
-        <p14:creationId xmlns:p14="http://schemas.microsoft.com/office/powerpoint/2010/main" val="140787148"/>
-      </p:ext>
-    </p:extLst>
-  </p:cSld>
-  <p:clrMapOvr>
-    <a:masterClrMapping/>
-  </p:clrMapOvr>
-  <p:timing>
-    <p:tnLst>
-      <p:par>
-        <p:cTn id="1" dur="indefinite" restart="never" nodeType="tmRoot"/>
-      </p:par>
-    </p:tnLst>
-  </p:timing>
-</p:sld>
-</file>
-
 <file path=ppt/slides/slide12.xml><?xml version="1.0" encoding="utf-8"?>
 <p:sld xmlns:a="http://schemas.openxmlformats.org/drawingml/2006/main" xmlns:r="http://schemas.openxmlformats.org/officeDocument/2006/relationships" xmlns:p="http://schemas.openxmlformats.org/presentationml/2006/main">
   <p:cSld>
@@ -7589,69 +8659,44 @@
             <a:spLocks noGrp="1"/>
           </p:cNvSpPr>
           <p:nvPr>
-            <p:ph type="title"/>
+            <p:ph type="ctrTitle"/>
           </p:nvPr>
         </p:nvSpPr>
         <p:spPr/>
         <p:txBody>
-          <a:bodyPr/>
-          <a:lstStyle/>
-          <a:p>
-            <a:r>
-              <a:rPr lang="en-US" dirty="0"/>
-              <a:t>step_01_install_packages.R</a:t>
-            </a:r>
-          </a:p>
-        </p:txBody>
-      </p:sp>
-      <p:sp>
-        <p:nvSpPr>
-          <p:cNvPr id="5" name="Slide Number Placeholder 4"/>
-          <p:cNvSpPr>
-            <a:spLocks noGrp="1"/>
-          </p:cNvSpPr>
-          <p:nvPr>
-            <p:ph type="sldNum" sz="quarter" idx="12"/>
-          </p:nvPr>
-        </p:nvSpPr>
-        <p:spPr/>
-        <p:txBody>
-          <a:bodyPr/>
-          <a:lstStyle/>
-          <a:p>
-            <a:fld id="{AC8A4197-7A9D-5842-BD4B-E3CFC351F871}" type="slidenum">
-              <a:rPr lang="en-US" smtClean="0"/>
-              <a:pPr/>
-              <a:t>12</a:t>
-            </a:fld>
-            <a:endParaRPr lang="en-US"/>
-          </a:p>
-        </p:txBody>
-      </p:sp>
-      <p:sp>
-        <p:nvSpPr>
-          <p:cNvPr id="6" name="TextBox 5"/>
-          <p:cNvSpPr txBox="1"/>
-          <p:nvPr/>
+          <a:bodyPr>
+            <a:normAutofit fontScale="90000"/>
+          </a:bodyPr>
+          <a:lstStyle/>
+          <a:p>
+            <a:endParaRPr lang="en-US" dirty="0"/>
+          </a:p>
+        </p:txBody>
+      </p:sp>
+      <p:sp>
+        <p:nvSpPr>
+          <p:cNvPr id="3" name="Subtitle 2"/>
+          <p:cNvSpPr>
+            <a:spLocks noGrp="1"/>
+          </p:cNvSpPr>
+          <p:nvPr>
+            <p:ph type="subTitle" idx="1"/>
+          </p:nvPr>
         </p:nvSpPr>
         <p:spPr>
           <a:xfrm>
-            <a:off x="694844" y="955178"/>
-            <a:ext cx="2444900" cy="523220"/>
-          </a:xfrm>
-          <a:prstGeom prst="rect">
-            <a:avLst/>
-          </a:prstGeom>
-          <a:noFill/>
-        </p:spPr>
-        <p:txBody>
-          <a:bodyPr wrap="none" rtlCol="0">
-            <a:spAutoFit/>
+            <a:off x="685800" y="1240992"/>
+            <a:ext cx="7953957" cy="3133784"/>
+          </a:xfrm>
+        </p:spPr>
+        <p:txBody>
+          <a:bodyPr>
+            <a:noAutofit/>
           </a:bodyPr>
           <a:lstStyle/>
           <a:p>
             <a:r>
-              <a:rPr lang="en-US" sz="2800" dirty="0" smtClean="0">
+              <a:rPr lang="en-US" dirty="0" smtClean="0">
                 <a:solidFill>
                   <a:schemeClr val="tx1">
                     <a:lumMod val="65000"/>
@@ -7659,81 +8704,43 @@
                   </a:schemeClr>
                 </a:solidFill>
               </a:rPr>
-              <a:t>Package ‘h2o’</a:t>
-            </a:r>
-            <a:endParaRPr lang="en-US" sz="2800" dirty="0">
-              <a:solidFill>
-                <a:schemeClr val="tx1">
-                  <a:lumMod val="65000"/>
-                  <a:lumOff val="35000"/>
-                </a:schemeClr>
-              </a:solidFill>
-            </a:endParaRPr>
-          </a:p>
-        </p:txBody>
-      </p:sp>
-      <p:pic>
-        <p:nvPicPr>
-          <p:cNvPr id="10" name="Content Placeholder 9"/>
-          <p:cNvPicPr>
-            <a:picLocks noGrp="1" noChangeAspect="1"/>
-          </p:cNvPicPr>
-          <p:nvPr>
-            <p:ph sz="half" idx="2"/>
-          </p:nvPr>
-        </p:nvPicPr>
-        <p:blipFill>
-          <a:blip r:embed="rId3" cstate="print">
-            <a:extLst>
-              <a:ext uri="{28A0092B-C50C-407E-A947-70E740481C1C}">
-                <a14:useLocalDpi xmlns:a14="http://schemas.microsoft.com/office/drawing/2010/main"/>
-              </a:ext>
-            </a:extLst>
-          </a:blip>
-          <a:stretch>
-            <a:fillRect/>
-          </a:stretch>
-        </p:blipFill>
-        <p:spPr>
-          <a:xfrm>
-            <a:off x="4648200" y="1603385"/>
-            <a:ext cx="4038600" cy="2587605"/>
-          </a:xfrm>
-        </p:spPr>
-      </p:pic>
-      <p:pic>
-        <p:nvPicPr>
-          <p:cNvPr id="14" name="Content Placeholder 13"/>
-          <p:cNvPicPr>
-            <a:picLocks noGrp="1" noChangeAspect="1"/>
-          </p:cNvPicPr>
-          <p:nvPr>
-            <p:ph sz="half" idx="1"/>
-          </p:nvPr>
-        </p:nvPicPr>
-        <p:blipFill>
-          <a:blip r:embed="rId4" cstate="print">
-            <a:extLst>
-              <a:ext uri="{28A0092B-C50C-407E-A947-70E740481C1C}">
-                <a14:useLocalDpi xmlns:a14="http://schemas.microsoft.com/office/drawing/2010/main"/>
-              </a:ext>
-            </a:extLst>
-          </a:blip>
-          <a:stretch>
-            <a:fillRect/>
-          </a:stretch>
-        </p:blipFill>
-        <p:spPr>
-          <a:xfrm>
-            <a:off x="457200" y="1458397"/>
-            <a:ext cx="4038600" cy="2877580"/>
-          </a:xfrm>
-        </p:spPr>
-      </p:pic>
+              <a:t>Workshop #1</a:t>
+            </a:r>
+          </a:p>
+          <a:p>
+            <a:r>
+              <a:rPr lang="en-US" dirty="0" smtClean="0">
+                <a:solidFill>
+                  <a:schemeClr val="tx1">
+                    <a:lumMod val="65000"/>
+                    <a:lumOff val="35000"/>
+                  </a:schemeClr>
+                </a:solidFill>
+              </a:rPr>
+              <a:t>Use Case 1: Classification</a:t>
+            </a:r>
+          </a:p>
+          <a:p>
+            <a:r>
+              <a:rPr lang="en-US" sz="5400" dirty="0" smtClean="0"/>
+              <a:t>Step 1: </a:t>
+            </a:r>
+            <a:r>
+              <a:rPr lang="en-US" sz="5400" dirty="0" smtClean="0"/>
+              <a:t>R </a:t>
+            </a:r>
+            <a:r>
+              <a:rPr lang="en-US" sz="5400" dirty="0" smtClean="0"/>
+              <a:t>Packages</a:t>
+            </a:r>
+            <a:endParaRPr lang="en-US" sz="5400" dirty="0"/>
+          </a:p>
+        </p:txBody>
+      </p:sp>
     </p:spTree>
     <p:extLst>
       <p:ext uri="{BB962C8B-B14F-4D97-AF65-F5344CB8AC3E}">
-        <p14:creationId xmlns:p14="http://schemas.microsoft.com/office/powerpoint/2010/main" val="1069926528"/>
+        <p14:creationId xmlns:p14="http://schemas.microsoft.com/office/powerpoint/2010/main" val="140787148"/>
       </p:ext>
     </p:extLst>
   </p:cSld>
@@ -7822,7 +8829,7 @@
         <p:spPr>
           <a:xfrm>
             <a:off x="694844" y="955178"/>
-            <a:ext cx="4044697" cy="523220"/>
+            <a:ext cx="2444900" cy="523220"/>
           </a:xfrm>
           <a:prstGeom prst="rect">
             <a:avLst/>
@@ -7844,18 +8851,7 @@
                   </a:schemeClr>
                 </a:solidFill>
               </a:rPr>
-              <a:t>Package ‘</a:t>
-            </a:r>
-            <a:r>
-              <a:rPr lang="en-US" sz="2800" dirty="0" smtClean="0">
-                <a:solidFill>
-                  <a:schemeClr val="tx1">
-                    <a:lumMod val="65000"/>
-                    <a:lumOff val="35000"/>
-                  </a:schemeClr>
-                </a:solidFill>
-              </a:rPr>
-              <a:t>h2oEnsemble’</a:t>
+              <a:t>Package ‘h2o’</a:t>
             </a:r>
             <a:endParaRPr lang="en-US" sz="2800" dirty="0">
               <a:solidFill>
@@ -7870,12 +8866,12 @@
       </p:sp>
       <p:pic>
         <p:nvPicPr>
-          <p:cNvPr id="7" name="Content Placeholder 6"/>
+          <p:cNvPr id="10" name="Content Placeholder 9"/>
           <p:cNvPicPr>
             <a:picLocks noGrp="1" noChangeAspect="1"/>
           </p:cNvPicPr>
           <p:nvPr>
-            <p:ph sz="half" idx="1"/>
+            <p:ph sz="half" idx="2"/>
           </p:nvPr>
         </p:nvPicPr>
         <p:blipFill>
@@ -7892,23 +8888,23 @@
         </p:blipFill>
         <p:spPr>
           <a:xfrm>
-            <a:off x="457200" y="2231699"/>
-            <a:ext cx="4038600" cy="1330976"/>
+            <a:off x="4648200" y="1603385"/>
+            <a:ext cx="4038600" cy="2587605"/>
           </a:xfrm>
         </p:spPr>
       </p:pic>
       <p:pic>
         <p:nvPicPr>
-          <p:cNvPr id="8" name="Content Placeholder 7"/>
+          <p:cNvPr id="14" name="Content Placeholder 13"/>
           <p:cNvPicPr>
             <a:picLocks noGrp="1" noChangeAspect="1"/>
           </p:cNvPicPr>
           <p:nvPr>
-            <p:ph sz="half" idx="2"/>
+            <p:ph sz="half" idx="1"/>
           </p:nvPr>
         </p:nvPicPr>
         <p:blipFill>
-          <a:blip r:embed="rId4">
+          <a:blip r:embed="rId4" cstate="print">
             <a:extLst>
               <a:ext uri="{28A0092B-C50C-407E-A947-70E740481C1C}">
                 <a14:useLocalDpi xmlns:a14="http://schemas.microsoft.com/office/drawing/2010/main"/>
@@ -7921,15 +8917,15 @@
         </p:blipFill>
         <p:spPr>
           <a:xfrm>
-            <a:off x="5086350" y="2439987"/>
-            <a:ext cx="3162300" cy="914400"/>
+            <a:off x="457200" y="1458397"/>
+            <a:ext cx="4038600" cy="2877580"/>
           </a:xfrm>
         </p:spPr>
       </p:pic>
     </p:spTree>
     <p:extLst>
       <p:ext uri="{BB962C8B-B14F-4D97-AF65-F5344CB8AC3E}">
-        <p14:creationId xmlns:p14="http://schemas.microsoft.com/office/powerpoint/2010/main" val="1153416401"/>
+        <p14:creationId xmlns:p14="http://schemas.microsoft.com/office/powerpoint/2010/main" val="1069926528"/>
       </p:ext>
     </p:extLst>
   </p:cSld>
@@ -7970,44 +8966,69 @@
             <a:spLocks noGrp="1"/>
           </p:cNvSpPr>
           <p:nvPr>
-            <p:ph type="ctrTitle"/>
+            <p:ph type="title"/>
           </p:nvPr>
         </p:nvSpPr>
         <p:spPr/>
         <p:txBody>
-          <a:bodyPr>
-            <a:normAutofit fontScale="90000"/>
+          <a:bodyPr/>
+          <a:lstStyle/>
+          <a:p>
+            <a:r>
+              <a:rPr lang="en-US" dirty="0"/>
+              <a:t>step_01_install_packages.R</a:t>
+            </a:r>
+          </a:p>
+        </p:txBody>
+      </p:sp>
+      <p:sp>
+        <p:nvSpPr>
+          <p:cNvPr id="5" name="Slide Number Placeholder 4"/>
+          <p:cNvSpPr>
+            <a:spLocks noGrp="1"/>
+          </p:cNvSpPr>
+          <p:nvPr>
+            <p:ph type="sldNum" sz="quarter" idx="12"/>
+          </p:nvPr>
+        </p:nvSpPr>
+        <p:spPr/>
+        <p:txBody>
+          <a:bodyPr/>
+          <a:lstStyle/>
+          <a:p>
+            <a:fld id="{AC8A4197-7A9D-5842-BD4B-E3CFC351F871}" type="slidenum">
+              <a:rPr lang="en-US" smtClean="0"/>
+              <a:pPr/>
+              <a:t>14</a:t>
+            </a:fld>
+            <a:endParaRPr lang="en-US"/>
+          </a:p>
+        </p:txBody>
+      </p:sp>
+      <p:sp>
+        <p:nvSpPr>
+          <p:cNvPr id="6" name="TextBox 5"/>
+          <p:cNvSpPr txBox="1"/>
+          <p:nvPr/>
+        </p:nvSpPr>
+        <p:spPr>
+          <a:xfrm>
+            <a:off x="694844" y="955178"/>
+            <a:ext cx="4044697" cy="523220"/>
+          </a:xfrm>
+          <a:prstGeom prst="rect">
+            <a:avLst/>
+          </a:prstGeom>
+          <a:noFill/>
+        </p:spPr>
+        <p:txBody>
+          <a:bodyPr wrap="none" rtlCol="0">
+            <a:spAutoFit/>
           </a:bodyPr>
           <a:lstStyle/>
           <a:p>
-            <a:endParaRPr lang="en-US" dirty="0"/>
-          </a:p>
-        </p:txBody>
-      </p:sp>
-      <p:sp>
-        <p:nvSpPr>
-          <p:cNvPr id="3" name="Subtitle 2"/>
-          <p:cNvSpPr>
-            <a:spLocks noGrp="1"/>
-          </p:cNvSpPr>
-          <p:nvPr>
-            <p:ph type="subTitle" idx="1"/>
-          </p:nvPr>
-        </p:nvSpPr>
-        <p:spPr>
-          <a:xfrm>
-            <a:off x="685800" y="1240992"/>
-            <a:ext cx="7953957" cy="3133784"/>
-          </a:xfrm>
-        </p:spPr>
-        <p:txBody>
-          <a:bodyPr>
-            <a:noAutofit/>
-          </a:bodyPr>
-          <a:lstStyle/>
-          <a:p>
-            <a:r>
-              <a:rPr lang="en-US" dirty="0" smtClean="0">
+            <a:r>
+              <a:rPr lang="en-US" sz="2800" dirty="0" smtClean="0">
                 <a:solidFill>
                   <a:schemeClr val="tx1">
                     <a:lumMod val="65000"/>
@@ -8015,22 +9036,9 @@
                   </a:schemeClr>
                 </a:solidFill>
               </a:rPr>
-              <a:t>Workshop #1</a:t>
-            </a:r>
-          </a:p>
-          <a:p>
-            <a:r>
-              <a:rPr lang="en-US" dirty="0" smtClean="0">
-                <a:solidFill>
-                  <a:schemeClr val="tx1">
-                    <a:lumMod val="65000"/>
-                    <a:lumOff val="35000"/>
-                  </a:schemeClr>
-                </a:solidFill>
-              </a:rPr>
-              <a:t>Use Case 1: Classification</a:t>
-            </a:r>
-            <a:endParaRPr lang="en-US" dirty="0" smtClean="0">
+              <a:t>Package ‘h2oEnsemble’</a:t>
+            </a:r>
+            <a:endParaRPr lang="en-US" sz="2800" dirty="0">
               <a:solidFill>
                 <a:schemeClr val="tx1">
                   <a:lumMod val="65000"/>
@@ -8039,19 +9047,70 @@
               </a:solidFill>
             </a:endParaRPr>
           </a:p>
-          <a:p>
-            <a:r>
-              <a:rPr lang="en-US" sz="5400" dirty="0" smtClean="0"/>
-              <a:t>Step 2: Exploratory Analysis</a:t>
-            </a:r>
-            <a:endParaRPr lang="en-US" sz="5400" dirty="0"/>
-          </a:p>
-        </p:txBody>
-      </p:sp>
+        </p:txBody>
+      </p:sp>
+      <p:pic>
+        <p:nvPicPr>
+          <p:cNvPr id="7" name="Content Placeholder 6"/>
+          <p:cNvPicPr>
+            <a:picLocks noGrp="1" noChangeAspect="1"/>
+          </p:cNvPicPr>
+          <p:nvPr>
+            <p:ph sz="half" idx="1"/>
+          </p:nvPr>
+        </p:nvPicPr>
+        <p:blipFill>
+          <a:blip r:embed="rId3" cstate="print">
+            <a:extLst>
+              <a:ext uri="{28A0092B-C50C-407E-A947-70E740481C1C}">
+                <a14:useLocalDpi xmlns:a14="http://schemas.microsoft.com/office/drawing/2010/main"/>
+              </a:ext>
+            </a:extLst>
+          </a:blip>
+          <a:stretch>
+            <a:fillRect/>
+          </a:stretch>
+        </p:blipFill>
+        <p:spPr>
+          <a:xfrm>
+            <a:off x="457200" y="2231699"/>
+            <a:ext cx="4038600" cy="1330976"/>
+          </a:xfrm>
+        </p:spPr>
+      </p:pic>
+      <p:pic>
+        <p:nvPicPr>
+          <p:cNvPr id="8" name="Content Placeholder 7"/>
+          <p:cNvPicPr>
+            <a:picLocks noGrp="1" noChangeAspect="1"/>
+          </p:cNvPicPr>
+          <p:nvPr>
+            <p:ph sz="half" idx="2"/>
+          </p:nvPr>
+        </p:nvPicPr>
+        <p:blipFill>
+          <a:blip r:embed="rId4">
+            <a:extLst>
+              <a:ext uri="{28A0092B-C50C-407E-A947-70E740481C1C}">
+                <a14:useLocalDpi xmlns:a14="http://schemas.microsoft.com/office/drawing/2010/main"/>
+              </a:ext>
+            </a:extLst>
+          </a:blip>
+          <a:stretch>
+            <a:fillRect/>
+          </a:stretch>
+        </p:blipFill>
+        <p:spPr>
+          <a:xfrm>
+            <a:off x="5086350" y="2439987"/>
+            <a:ext cx="3162300" cy="914400"/>
+          </a:xfrm>
+        </p:spPr>
+      </p:pic>
     </p:spTree>
     <p:extLst>
       <p:ext uri="{BB962C8B-B14F-4D97-AF65-F5344CB8AC3E}">
-        <p14:creationId xmlns:p14="http://schemas.microsoft.com/office/powerpoint/2010/main" val="465586244"/>
+        <p14:creationId xmlns:p14="http://schemas.microsoft.com/office/powerpoint/2010/main" val="1153416401"/>
       </p:ext>
     </p:extLst>
   </p:cSld>
@@ -8092,80 +9151,80 @@
             <a:spLocks noGrp="1"/>
           </p:cNvSpPr>
           <p:nvPr>
-            <p:ph type="title"/>
+            <p:ph type="ctrTitle"/>
           </p:nvPr>
         </p:nvSpPr>
         <p:spPr/>
         <p:txBody>
-          <a:bodyPr/>
-          <a:lstStyle/>
-          <a:p>
-            <a:r>
-              <a:rPr lang="en-US" dirty="0" smtClean="0"/>
-              <a:t>Data for Use Case 1: SECOM</a:t>
-            </a:r>
+          <a:bodyPr>
+            <a:normAutofit fontScale="90000"/>
+          </a:bodyPr>
+          <a:lstStyle/>
+          <a:p>
             <a:endParaRPr lang="en-US" dirty="0"/>
           </a:p>
         </p:txBody>
       </p:sp>
       <p:sp>
         <p:nvSpPr>
-          <p:cNvPr id="5" name="Slide Number Placeholder 4"/>
-          <p:cNvSpPr>
-            <a:spLocks noGrp="1"/>
-          </p:cNvSpPr>
-          <p:nvPr>
-            <p:ph type="sldNum" sz="quarter" idx="12"/>
-          </p:nvPr>
-        </p:nvSpPr>
-        <p:spPr/>
-        <p:txBody>
-          <a:bodyPr/>
-          <a:lstStyle/>
-          <a:p>
-            <a:fld id="{AC8A4197-7A9D-5842-BD4B-E3CFC351F871}" type="slidenum">
-              <a:rPr lang="en-US" smtClean="0"/>
-              <a:pPr/>
-              <a:t>15</a:t>
-            </a:fld>
-            <a:endParaRPr lang="en-US"/>
-          </a:p>
-        </p:txBody>
-      </p:sp>
-      <p:pic>
-        <p:nvPicPr>
-          <p:cNvPr id="9" name="Picture 8"/>
-          <p:cNvPicPr>
-            <a:picLocks noChangeAspect="1"/>
-          </p:cNvPicPr>
-          <p:nvPr/>
-        </p:nvPicPr>
-        <p:blipFill>
-          <a:blip r:embed="rId3">
-            <a:extLst>
-              <a:ext uri="{28A0092B-C50C-407E-A947-70E740481C1C}">
-                <a14:useLocalDpi xmlns:a14="http://schemas.microsoft.com/office/drawing/2010/main"/>
-              </a:ext>
-            </a:extLst>
-          </a:blip>
-          <a:stretch>
-            <a:fillRect/>
-          </a:stretch>
-        </p:blipFill>
+          <p:cNvPr id="3" name="Subtitle 2"/>
+          <p:cNvSpPr>
+            <a:spLocks noGrp="1"/>
+          </p:cNvSpPr>
+          <p:nvPr>
+            <p:ph type="subTitle" idx="1"/>
+          </p:nvPr>
+        </p:nvSpPr>
         <p:spPr>
           <a:xfrm>
-            <a:off x="1047091" y="671979"/>
-            <a:ext cx="7049818" cy="4418666"/>
-          </a:xfrm>
-          <a:prstGeom prst="rect">
-            <a:avLst/>
-          </a:prstGeom>
-        </p:spPr>
-      </p:pic>
+            <a:off x="685800" y="1240992"/>
+            <a:ext cx="7953957" cy="3133784"/>
+          </a:xfrm>
+        </p:spPr>
+        <p:txBody>
+          <a:bodyPr>
+            <a:noAutofit/>
+          </a:bodyPr>
+          <a:lstStyle/>
+          <a:p>
+            <a:r>
+              <a:rPr lang="en-US" dirty="0" smtClean="0">
+                <a:solidFill>
+                  <a:schemeClr val="tx1">
+                    <a:lumMod val="65000"/>
+                    <a:lumOff val="35000"/>
+                  </a:schemeClr>
+                </a:solidFill>
+              </a:rPr>
+              <a:t>Workshop #1</a:t>
+            </a:r>
+          </a:p>
+          <a:p>
+            <a:r>
+              <a:rPr lang="en-US" dirty="0" smtClean="0">
+                <a:solidFill>
+                  <a:schemeClr val="tx1">
+                    <a:lumMod val="65000"/>
+                    <a:lumOff val="35000"/>
+                  </a:schemeClr>
+                </a:solidFill>
+              </a:rPr>
+              <a:t>Use Case 1: Classification</a:t>
+            </a:r>
+          </a:p>
+          <a:p>
+            <a:r>
+              <a:rPr lang="en-US" sz="5400" dirty="0" smtClean="0"/>
+              <a:t>Step 2: Exploratory Analysis</a:t>
+            </a:r>
+            <a:endParaRPr lang="en-US" sz="5400" dirty="0"/>
+          </a:p>
+        </p:txBody>
+      </p:sp>
     </p:spTree>
     <p:extLst>
       <p:ext uri="{BB962C8B-B14F-4D97-AF65-F5344CB8AC3E}">
-        <p14:creationId xmlns:p14="http://schemas.microsoft.com/office/powerpoint/2010/main" val="1972637138"/>
+        <p14:creationId xmlns:p14="http://schemas.microsoft.com/office/powerpoint/2010/main" val="465586244"/>
       </p:ext>
     </p:extLst>
   </p:cSld>
@@ -8216,7 +9275,7 @@
           <a:p>
             <a:r>
               <a:rPr lang="en-US" dirty="0" smtClean="0"/>
-              <a:t>step_02_exploratory_analysis.R</a:t>
+              <a:t>Data for Use Case 1: SECOM</a:t>
             </a:r>
             <a:endParaRPr lang="en-US" dirty="0"/>
           </a:p>
@@ -8241,6 +9300,120 @@
               <a:rPr lang="en-US" smtClean="0"/>
               <a:pPr/>
               <a:t>16</a:t>
+            </a:fld>
+            <a:endParaRPr lang="en-US"/>
+          </a:p>
+        </p:txBody>
+      </p:sp>
+      <p:pic>
+        <p:nvPicPr>
+          <p:cNvPr id="9" name="Picture 8"/>
+          <p:cNvPicPr>
+            <a:picLocks noChangeAspect="1"/>
+          </p:cNvPicPr>
+          <p:nvPr/>
+        </p:nvPicPr>
+        <p:blipFill>
+          <a:blip r:embed="rId3">
+            <a:extLst>
+              <a:ext uri="{28A0092B-C50C-407E-A947-70E740481C1C}">
+                <a14:useLocalDpi xmlns:a14="http://schemas.microsoft.com/office/drawing/2010/main"/>
+              </a:ext>
+            </a:extLst>
+          </a:blip>
+          <a:stretch>
+            <a:fillRect/>
+          </a:stretch>
+        </p:blipFill>
+        <p:spPr>
+          <a:xfrm>
+            <a:off x="1047091" y="671979"/>
+            <a:ext cx="7049818" cy="4418666"/>
+          </a:xfrm>
+          <a:prstGeom prst="rect">
+            <a:avLst/>
+          </a:prstGeom>
+        </p:spPr>
+      </p:pic>
+    </p:spTree>
+    <p:extLst>
+      <p:ext uri="{BB962C8B-B14F-4D97-AF65-F5344CB8AC3E}">
+        <p14:creationId xmlns:p14="http://schemas.microsoft.com/office/powerpoint/2010/main" val="1972637138"/>
+      </p:ext>
+    </p:extLst>
+  </p:cSld>
+  <p:clrMapOvr>
+    <a:masterClrMapping/>
+  </p:clrMapOvr>
+  <p:timing>
+    <p:tnLst>
+      <p:par>
+        <p:cTn id="1" dur="indefinite" restart="never" nodeType="tmRoot"/>
+      </p:par>
+    </p:tnLst>
+  </p:timing>
+</p:sld>
+</file>
+
+<file path=ppt/slides/slide17.xml><?xml version="1.0" encoding="utf-8"?>
+<p:sld xmlns:a="http://schemas.openxmlformats.org/drawingml/2006/main" xmlns:r="http://schemas.openxmlformats.org/officeDocument/2006/relationships" xmlns:p="http://schemas.openxmlformats.org/presentationml/2006/main">
+  <p:cSld>
+    <p:spTree>
+      <p:nvGrpSpPr>
+        <p:cNvPr id="1" name=""/>
+        <p:cNvGrpSpPr/>
+        <p:nvPr/>
+      </p:nvGrpSpPr>
+      <p:grpSpPr>
+        <a:xfrm>
+          <a:off x="0" y="0"/>
+          <a:ext cx="0" cy="0"/>
+          <a:chOff x="0" y="0"/>
+          <a:chExt cx="0" cy="0"/>
+        </a:xfrm>
+      </p:grpSpPr>
+      <p:sp>
+        <p:nvSpPr>
+          <p:cNvPr id="2" name="Title 1"/>
+          <p:cNvSpPr>
+            <a:spLocks noGrp="1"/>
+          </p:cNvSpPr>
+          <p:nvPr>
+            <p:ph type="title"/>
+          </p:nvPr>
+        </p:nvSpPr>
+        <p:spPr/>
+        <p:txBody>
+          <a:bodyPr/>
+          <a:lstStyle/>
+          <a:p>
+            <a:r>
+              <a:rPr lang="en-US" dirty="0" smtClean="0"/>
+              <a:t>step_02_exploratory_analysis.R</a:t>
+            </a:r>
+            <a:endParaRPr lang="en-US" dirty="0"/>
+          </a:p>
+        </p:txBody>
+      </p:sp>
+      <p:sp>
+        <p:nvSpPr>
+          <p:cNvPr id="5" name="Slide Number Placeholder 4"/>
+          <p:cNvSpPr>
+            <a:spLocks noGrp="1"/>
+          </p:cNvSpPr>
+          <p:nvPr>
+            <p:ph type="sldNum" sz="quarter" idx="12"/>
+          </p:nvPr>
+        </p:nvSpPr>
+        <p:spPr/>
+        <p:txBody>
+          <a:bodyPr/>
+          <a:lstStyle/>
+          <a:p>
+            <a:fld id="{AC8A4197-7A9D-5842-BD4B-E3CFC351F871}" type="slidenum">
+              <a:rPr lang="en-US" smtClean="0"/>
+              <a:pPr/>
+              <a:t>17</a:t>
             </a:fld>
             <a:endParaRPr lang="en-US"/>
           </a:p>
@@ -8319,25 +9492,35 @@
           </a:xfrm>
         </p:spPr>
       </p:pic>
-      <p:sp>
-        <p:nvSpPr>
-          <p:cNvPr id="4" name="Content Placeholder 3"/>
-          <p:cNvSpPr>
-            <a:spLocks noGrp="1"/>
-          </p:cNvSpPr>
+      <p:pic>
+        <p:nvPicPr>
+          <p:cNvPr id="3" name="Content Placeholder 2"/>
+          <p:cNvPicPr>
+            <a:picLocks noGrp="1" noChangeAspect="1"/>
+          </p:cNvPicPr>
           <p:nvPr>
             <p:ph sz="half" idx="2"/>
           </p:nvPr>
-        </p:nvSpPr>
-        <p:spPr/>
-        <p:txBody>
-          <a:bodyPr/>
-          <a:lstStyle/>
-          <a:p>
-            <a:endParaRPr lang="en-US"/>
-          </a:p>
-        </p:txBody>
-      </p:sp>
+        </p:nvPicPr>
+        <p:blipFill>
+          <a:blip r:embed="rId4" cstate="print">
+            <a:extLst>
+              <a:ext uri="{28A0092B-C50C-407E-A947-70E740481C1C}">
+                <a14:useLocalDpi xmlns:a14="http://schemas.microsoft.com/office/drawing/2010/main"/>
+              </a:ext>
+            </a:extLst>
+          </a:blip>
+          <a:stretch>
+            <a:fillRect/>
+          </a:stretch>
+        </p:blipFill>
+        <p:spPr>
+          <a:xfrm>
+            <a:off x="4648200" y="1514576"/>
+            <a:ext cx="4038600" cy="2765223"/>
+          </a:xfrm>
+        </p:spPr>
+      </p:pic>
       <p:sp>
         <p:nvSpPr>
           <p:cNvPr id="11" name="Rectangle 10"/>
@@ -8632,7 +9815,7 @@
 </p:sld>
 </file>
 
-<file path=ppt/slides/slide17.xml><?xml version="1.0" encoding="utf-8"?>
+<file path=ppt/slides/slide18.xml><?xml version="1.0" encoding="utf-8"?>
 <p:sld xmlns:a="http://schemas.openxmlformats.org/drawingml/2006/main" xmlns:r="http://schemas.openxmlformats.org/officeDocument/2006/relationships" xmlns:p="http://schemas.openxmlformats.org/presentationml/2006/main">
   <p:cSld>
     <p:spTree>
@@ -8666,47 +9849,9 @@
           <a:p>
             <a:r>
               <a:rPr lang="en-US" dirty="0" smtClean="0"/>
-              <a:t>T.B.C.</a:t>
+              <a:t>step_02_exploratory_analysis.R</a:t>
             </a:r>
             <a:endParaRPr lang="en-US" dirty="0"/>
-          </a:p>
-        </p:txBody>
-      </p:sp>
-      <p:sp>
-        <p:nvSpPr>
-          <p:cNvPr id="3" name="Content Placeholder 2"/>
-          <p:cNvSpPr>
-            <a:spLocks noGrp="1"/>
-          </p:cNvSpPr>
-          <p:nvPr>
-            <p:ph sz="half" idx="1"/>
-          </p:nvPr>
-        </p:nvSpPr>
-        <p:spPr/>
-        <p:txBody>
-          <a:bodyPr/>
-          <a:lstStyle/>
-          <a:p>
-            <a:endParaRPr lang="en-US"/>
-          </a:p>
-        </p:txBody>
-      </p:sp>
-      <p:sp>
-        <p:nvSpPr>
-          <p:cNvPr id="4" name="Content Placeholder 3"/>
-          <p:cNvSpPr>
-            <a:spLocks noGrp="1"/>
-          </p:cNvSpPr>
-          <p:nvPr>
-            <p:ph sz="half" idx="2"/>
-          </p:nvPr>
-        </p:nvSpPr>
-        <p:spPr/>
-        <p:txBody>
-          <a:bodyPr/>
-          <a:lstStyle/>
-          <a:p>
-            <a:endParaRPr lang="en-US"/>
           </a:p>
         </p:txBody>
       </p:sp>
@@ -8728,22 +9873,483 @@
             <a:fld id="{AC8A4197-7A9D-5842-BD4B-E3CFC351F871}" type="slidenum">
               <a:rPr lang="en-US" smtClean="0"/>
               <a:pPr/>
-              <a:t>17</a:t>
+              <a:t>18</a:t>
             </a:fld>
             <a:endParaRPr lang="en-US"/>
           </a:p>
         </p:txBody>
       </p:sp>
+      <p:sp>
+        <p:nvSpPr>
+          <p:cNvPr id="6" name="TextBox 5"/>
+          <p:cNvSpPr txBox="1"/>
+          <p:nvPr/>
+        </p:nvSpPr>
+        <p:spPr>
+          <a:xfrm>
+            <a:off x="694844" y="955178"/>
+            <a:ext cx="4342856" cy="523220"/>
+          </a:xfrm>
+          <a:prstGeom prst="rect">
+            <a:avLst/>
+          </a:prstGeom>
+          <a:noFill/>
+        </p:spPr>
+        <p:txBody>
+          <a:bodyPr wrap="none" rtlCol="0">
+            <a:spAutoFit/>
+          </a:bodyPr>
+          <a:lstStyle/>
+          <a:p>
+            <a:r>
+              <a:rPr lang="en-US" sz="2800" dirty="0" smtClean="0">
+                <a:solidFill>
+                  <a:schemeClr val="tx1">
+                    <a:lumMod val="65000"/>
+                    <a:lumOff val="35000"/>
+                  </a:schemeClr>
+                </a:solidFill>
+              </a:rPr>
+              <a:t>Basic exploratory analysis</a:t>
+            </a:r>
+          </a:p>
+        </p:txBody>
+      </p:sp>
+      <p:pic>
+        <p:nvPicPr>
+          <p:cNvPr id="9" name="Content Placeholder 8"/>
+          <p:cNvPicPr>
+            <a:picLocks noGrp="1" noChangeAspect="1"/>
+          </p:cNvPicPr>
+          <p:nvPr>
+            <p:ph sz="half" idx="1"/>
+          </p:nvPr>
+        </p:nvPicPr>
+        <p:blipFill>
+          <a:blip r:embed="rId3" cstate="print">
+            <a:extLst>
+              <a:ext uri="{28A0092B-C50C-407E-A947-70E740481C1C}">
+                <a14:useLocalDpi xmlns:a14="http://schemas.microsoft.com/office/drawing/2010/main"/>
+              </a:ext>
+            </a:extLst>
+          </a:blip>
+          <a:stretch>
+            <a:fillRect/>
+          </a:stretch>
+        </p:blipFill>
+        <p:spPr>
+          <a:xfrm>
+            <a:off x="457200" y="2328882"/>
+            <a:ext cx="4038600" cy="1136611"/>
+          </a:xfrm>
+        </p:spPr>
+      </p:pic>
+      <p:sp>
+        <p:nvSpPr>
+          <p:cNvPr id="14" name="TextBox 13"/>
+          <p:cNvSpPr txBox="1"/>
+          <p:nvPr/>
+        </p:nvSpPr>
+        <p:spPr>
+          <a:xfrm>
+            <a:off x="130752" y="3676465"/>
+            <a:ext cx="2832495" cy="276999"/>
+          </a:xfrm>
+          <a:prstGeom prst="rect">
+            <a:avLst/>
+          </a:prstGeom>
+          <a:solidFill>
+            <a:schemeClr val="accent3">
+              <a:alpha val="20000"/>
+            </a:schemeClr>
+          </a:solidFill>
+        </p:spPr>
+        <p:txBody>
+          <a:bodyPr wrap="square" rtlCol="0">
+            <a:spAutoFit/>
+          </a:bodyPr>
+          <a:lstStyle/>
+          <a:p>
+            <a:r>
+              <a:rPr lang="en-US" sz="1200" dirty="0" smtClean="0">
+                <a:solidFill>
+                  <a:schemeClr val="tx1">
+                    <a:lumMod val="65000"/>
+                    <a:lumOff val="35000"/>
+                  </a:schemeClr>
+                </a:solidFill>
+              </a:rPr>
+              <a:t>Convert -1 and 1 </a:t>
+            </a:r>
+            <a:r>
+              <a:rPr lang="en-US" sz="1200" smtClean="0">
+                <a:solidFill>
+                  <a:schemeClr val="tx1">
+                    <a:lumMod val="65000"/>
+                    <a:lumOff val="35000"/>
+                  </a:schemeClr>
+                </a:solidFill>
+              </a:rPr>
+              <a:t>to categorical value</a:t>
+            </a:r>
+            <a:endParaRPr lang="en-US" sz="1200" dirty="0">
+              <a:solidFill>
+                <a:schemeClr val="tx1">
+                  <a:lumMod val="65000"/>
+                  <a:lumOff val="35000"/>
+                </a:schemeClr>
+              </a:solidFill>
+            </a:endParaRPr>
+          </a:p>
+        </p:txBody>
+      </p:sp>
+      <p:cxnSp>
+        <p:nvCxnSpPr>
+          <p:cNvPr id="15" name="Straight Arrow Connector 14"/>
+          <p:cNvCxnSpPr/>
+          <p:nvPr/>
+        </p:nvCxnSpPr>
+        <p:spPr>
+          <a:xfrm flipV="1">
+            <a:off x="418700" y="3254520"/>
+            <a:ext cx="352942" cy="421945"/>
+          </a:xfrm>
+          <a:prstGeom prst="straightConnector1">
+            <a:avLst/>
+          </a:prstGeom>
+          <a:ln w="6350">
+            <a:tailEnd type="triangle"/>
+          </a:ln>
+        </p:spPr>
+        <p:style>
+          <a:lnRef idx="2">
+            <a:schemeClr val="dk1"/>
+          </a:lnRef>
+          <a:fillRef idx="0">
+            <a:schemeClr val="dk1"/>
+          </a:fillRef>
+          <a:effectRef idx="1">
+            <a:schemeClr val="dk1"/>
+          </a:effectRef>
+          <a:fontRef idx="minor">
+            <a:schemeClr val="tx1"/>
+          </a:fontRef>
+        </p:style>
+      </p:cxnSp>
+      <p:pic>
+        <p:nvPicPr>
+          <p:cNvPr id="10" name="Picture 9"/>
+          <p:cNvPicPr>
+            <a:picLocks noChangeAspect="1"/>
+          </p:cNvPicPr>
+          <p:nvPr/>
+        </p:nvPicPr>
+        <p:blipFill>
+          <a:blip r:embed="rId4">
+            <a:extLst>
+              <a:ext uri="{28A0092B-C50C-407E-A947-70E740481C1C}">
+                <a14:useLocalDpi xmlns:a14="http://schemas.microsoft.com/office/drawing/2010/main"/>
+              </a:ext>
+            </a:extLst>
+          </a:blip>
+          <a:stretch>
+            <a:fillRect/>
+          </a:stretch>
+        </p:blipFill>
+        <p:spPr>
+          <a:xfrm>
+            <a:off x="5537492" y="1339665"/>
+            <a:ext cx="2772193" cy="1800000"/>
+          </a:xfrm>
+          <a:prstGeom prst="rect">
+            <a:avLst/>
+          </a:prstGeom>
+        </p:spPr>
+      </p:pic>
+      <p:pic>
+        <p:nvPicPr>
+          <p:cNvPr id="16" name="Picture 15"/>
+          <p:cNvPicPr>
+            <a:picLocks noChangeAspect="1"/>
+          </p:cNvPicPr>
+          <p:nvPr/>
+        </p:nvPicPr>
+        <p:blipFill>
+          <a:blip r:embed="rId5">
+            <a:extLst>
+              <a:ext uri="{28A0092B-C50C-407E-A947-70E740481C1C}">
+                <a14:useLocalDpi xmlns:a14="http://schemas.microsoft.com/office/drawing/2010/main"/>
+              </a:ext>
+            </a:extLst>
+          </a:blip>
+          <a:stretch>
+            <a:fillRect/>
+          </a:stretch>
+        </p:blipFill>
+        <p:spPr>
+          <a:xfrm>
+            <a:off x="4495800" y="3413464"/>
+            <a:ext cx="4491089" cy="1080000"/>
+          </a:xfrm>
+          <a:prstGeom prst="rect">
+            <a:avLst/>
+          </a:prstGeom>
+        </p:spPr>
+      </p:pic>
     </p:spTree>
     <p:extLst>
       <p:ext uri="{BB962C8B-B14F-4D97-AF65-F5344CB8AC3E}">
-        <p14:creationId xmlns:p14="http://schemas.microsoft.com/office/powerpoint/2010/main" val="447090509"/>
+        <p14:creationId xmlns:p14="http://schemas.microsoft.com/office/powerpoint/2010/main" val="2026988382"/>
       </p:ext>
     </p:extLst>
   </p:cSld>
   <p:clrMapOvr>
     <a:masterClrMapping/>
   </p:clrMapOvr>
+  <p:timing>
+    <p:tnLst>
+      <p:par>
+        <p:cTn id="1" dur="indefinite" restart="never" nodeType="tmRoot">
+          <p:childTnLst>
+            <p:seq concurrent="1" nextAc="seek">
+              <p:cTn id="2" dur="indefinite" nodeType="mainSeq">
+                <p:childTnLst>
+                  <p:par>
+                    <p:cTn id="3" fill="hold">
+                      <p:stCondLst>
+                        <p:cond delay="indefinite"/>
+                        <p:cond evt="onBegin" delay="0">
+                          <p:tn val="2"/>
+                        </p:cond>
+                      </p:stCondLst>
+                      <p:childTnLst>
+                        <p:par>
+                          <p:cTn id="4" fill="hold">
+                            <p:stCondLst>
+                              <p:cond delay="0"/>
+                            </p:stCondLst>
+                            <p:childTnLst>
+                              <p:par>
+                                <p:cTn id="5" presetID="1" presetClass="entr" presetSubtype="0" fill="hold" grpId="0" nodeType="withEffect">
+                                  <p:stCondLst>
+                                    <p:cond delay="0"/>
+                                  </p:stCondLst>
+                                  <p:childTnLst>
+                                    <p:set>
+                                      <p:cBhvr>
+                                        <p:cTn id="6" dur="1" fill="hold">
+                                          <p:stCondLst>
+                                            <p:cond delay="0"/>
+                                          </p:stCondLst>
+                                        </p:cTn>
+                                        <p:tgtEl>
+                                          <p:spTgt spid="14"/>
+                                        </p:tgtEl>
+                                        <p:attrNameLst>
+                                          <p:attrName>style.visibility</p:attrName>
+                                        </p:attrNameLst>
+                                      </p:cBhvr>
+                                      <p:to>
+                                        <p:strVal val="visible"/>
+                                      </p:to>
+                                    </p:set>
+                                  </p:childTnLst>
+                                </p:cTn>
+                              </p:par>
+                            </p:childTnLst>
+                          </p:cTn>
+                        </p:par>
+                      </p:childTnLst>
+                    </p:cTn>
+                  </p:par>
+                  <p:par>
+                    <p:cTn id="7" fill="hold">
+                      <p:stCondLst>
+                        <p:cond delay="indefinite"/>
+                      </p:stCondLst>
+                      <p:childTnLst>
+                        <p:par>
+                          <p:cTn id="8" fill="hold">
+                            <p:stCondLst>
+                              <p:cond delay="0"/>
+                            </p:stCondLst>
+                            <p:childTnLst>
+                              <p:par>
+                                <p:cTn id="9" presetID="1" presetClass="entr" presetSubtype="0" fill="hold" nodeType="clickEffect">
+                                  <p:stCondLst>
+                                    <p:cond delay="0"/>
+                                  </p:stCondLst>
+                                  <p:childTnLst>
+                                    <p:set>
+                                      <p:cBhvr>
+                                        <p:cTn id="10" dur="1" fill="hold">
+                                          <p:stCondLst>
+                                            <p:cond delay="0"/>
+                                          </p:stCondLst>
+                                        </p:cTn>
+                                        <p:tgtEl>
+                                          <p:spTgt spid="15"/>
+                                        </p:tgtEl>
+                                        <p:attrNameLst>
+                                          <p:attrName>style.visibility</p:attrName>
+                                        </p:attrNameLst>
+                                      </p:cBhvr>
+                                      <p:to>
+                                        <p:strVal val="visible"/>
+                                      </p:to>
+                                    </p:set>
+                                  </p:childTnLst>
+                                </p:cTn>
+                              </p:par>
+                            </p:childTnLst>
+                          </p:cTn>
+                        </p:par>
+                      </p:childTnLst>
+                    </p:cTn>
+                  </p:par>
+                </p:childTnLst>
+              </p:cTn>
+              <p:prevCondLst>
+                <p:cond evt="onPrev" delay="0">
+                  <p:tgtEl>
+                    <p:sldTgt/>
+                  </p:tgtEl>
+                </p:cond>
+              </p:prevCondLst>
+              <p:nextCondLst>
+                <p:cond evt="onNext" delay="0">
+                  <p:tgtEl>
+                    <p:sldTgt/>
+                  </p:tgtEl>
+                </p:cond>
+              </p:nextCondLst>
+            </p:seq>
+          </p:childTnLst>
+        </p:cTn>
+      </p:par>
+    </p:tnLst>
+    <p:bldLst>
+      <p:bldP spid="14" grpId="0" animBg="1"/>
+    </p:bldLst>
+  </p:timing>
+</p:sld>
+</file>
+
+<file path=ppt/slides/slide19.xml><?xml version="1.0" encoding="utf-8"?>
+<p:sld xmlns:a="http://schemas.openxmlformats.org/drawingml/2006/main" xmlns:r="http://schemas.openxmlformats.org/officeDocument/2006/relationships" xmlns:p="http://schemas.openxmlformats.org/presentationml/2006/main">
+  <p:cSld>
+    <p:spTree>
+      <p:nvGrpSpPr>
+        <p:cNvPr id="1" name=""/>
+        <p:cNvGrpSpPr/>
+        <p:nvPr/>
+      </p:nvGrpSpPr>
+      <p:grpSpPr>
+        <a:xfrm>
+          <a:off x="0" y="0"/>
+          <a:ext cx="0" cy="0"/>
+          <a:chOff x="0" y="0"/>
+          <a:chExt cx="0" cy="0"/>
+        </a:xfrm>
+      </p:grpSpPr>
+      <p:sp>
+        <p:nvSpPr>
+          <p:cNvPr id="2" name="Title 1"/>
+          <p:cNvSpPr>
+            <a:spLocks noGrp="1"/>
+          </p:cNvSpPr>
+          <p:nvPr>
+            <p:ph type="ctrTitle"/>
+          </p:nvPr>
+        </p:nvSpPr>
+        <p:spPr/>
+        <p:txBody>
+          <a:bodyPr>
+            <a:normAutofit fontScale="90000"/>
+          </a:bodyPr>
+          <a:lstStyle/>
+          <a:p>
+            <a:endParaRPr lang="en-US" dirty="0"/>
+          </a:p>
+        </p:txBody>
+      </p:sp>
+      <p:sp>
+        <p:nvSpPr>
+          <p:cNvPr id="3" name="Subtitle 2"/>
+          <p:cNvSpPr>
+            <a:spLocks noGrp="1"/>
+          </p:cNvSpPr>
+          <p:nvPr>
+            <p:ph type="subTitle" idx="1"/>
+          </p:nvPr>
+        </p:nvSpPr>
+        <p:spPr>
+          <a:xfrm>
+            <a:off x="685800" y="1240992"/>
+            <a:ext cx="7953957" cy="3133784"/>
+          </a:xfrm>
+        </p:spPr>
+        <p:txBody>
+          <a:bodyPr>
+            <a:noAutofit/>
+          </a:bodyPr>
+          <a:lstStyle/>
+          <a:p>
+            <a:r>
+              <a:rPr lang="en-US" dirty="0" smtClean="0">
+                <a:solidFill>
+                  <a:schemeClr val="tx1">
+                    <a:lumMod val="65000"/>
+                    <a:lumOff val="35000"/>
+                  </a:schemeClr>
+                </a:solidFill>
+              </a:rPr>
+              <a:t>Workshop #1</a:t>
+            </a:r>
+          </a:p>
+          <a:p>
+            <a:r>
+              <a:rPr lang="en-US" dirty="0" smtClean="0">
+                <a:solidFill>
+                  <a:schemeClr val="tx1">
+                    <a:lumMod val="65000"/>
+                    <a:lumOff val="35000"/>
+                  </a:schemeClr>
+                </a:solidFill>
+              </a:rPr>
+              <a:t>Use Case 1: Classification</a:t>
+            </a:r>
+          </a:p>
+          <a:p>
+            <a:r>
+              <a:rPr lang="en-US" sz="5400" dirty="0" smtClean="0"/>
+              <a:t>Step </a:t>
+            </a:r>
+            <a:r>
+              <a:rPr lang="en-US" sz="5400" dirty="0" smtClean="0"/>
+              <a:t>3: Building &amp; Evaluating Models</a:t>
+            </a:r>
+            <a:endParaRPr lang="en-US" sz="5400" dirty="0"/>
+          </a:p>
+        </p:txBody>
+      </p:sp>
+    </p:spTree>
+    <p:extLst>
+      <p:ext uri="{BB962C8B-B14F-4D97-AF65-F5344CB8AC3E}">
+        <p14:creationId xmlns:p14="http://schemas.microsoft.com/office/powerpoint/2010/main" val="1057050976"/>
+      </p:ext>
+    </p:extLst>
+  </p:cSld>
+  <p:clrMapOvr>
+    <a:masterClrMapping/>
+  </p:clrMapOvr>
+  <p:timing>
+    <p:tnLst>
+      <p:par>
+        <p:cTn id="1" dur="indefinite" restart="never" nodeType="tmRoot"/>
+      </p:par>
+    </p:tnLst>
+  </p:timing>
 </p:sld>
 </file>
 
@@ -8974,6 +10580,977 @@
     <p:extLst>
       <p:ext uri="{BB962C8B-B14F-4D97-AF65-F5344CB8AC3E}">
         <p14:creationId xmlns:p14="http://schemas.microsoft.com/office/powerpoint/2010/main" val="2145173521"/>
+      </p:ext>
+    </p:extLst>
+  </p:cSld>
+  <p:clrMapOvr>
+    <a:masterClrMapping/>
+  </p:clrMapOvr>
+  <p:timing>
+    <p:tnLst>
+      <p:par>
+        <p:cTn id="1" dur="indefinite" restart="never" nodeType="tmRoot"/>
+      </p:par>
+    </p:tnLst>
+  </p:timing>
+</p:sld>
+</file>
+
+<file path=ppt/slides/slide20.xml><?xml version="1.0" encoding="utf-8"?>
+<p:sld xmlns:a="http://schemas.openxmlformats.org/drawingml/2006/main" xmlns:r="http://schemas.openxmlformats.org/officeDocument/2006/relationships" xmlns:p="http://schemas.openxmlformats.org/presentationml/2006/main">
+  <p:cSld>
+    <p:spTree>
+      <p:nvGrpSpPr>
+        <p:cNvPr id="1" name=""/>
+        <p:cNvGrpSpPr/>
+        <p:nvPr/>
+      </p:nvGrpSpPr>
+      <p:grpSpPr>
+        <a:xfrm>
+          <a:off x="0" y="0"/>
+          <a:ext cx="0" cy="0"/>
+          <a:chOff x="0" y="0"/>
+          <a:chExt cx="0" cy="0"/>
+        </a:xfrm>
+      </p:grpSpPr>
+      <p:sp>
+        <p:nvSpPr>
+          <p:cNvPr id="2" name="Title 1"/>
+          <p:cNvSpPr>
+            <a:spLocks noGrp="1"/>
+          </p:cNvSpPr>
+          <p:nvPr>
+            <p:ph type="ctrTitle"/>
+          </p:nvPr>
+        </p:nvSpPr>
+        <p:spPr/>
+        <p:txBody>
+          <a:bodyPr>
+            <a:normAutofit fontScale="90000"/>
+          </a:bodyPr>
+          <a:lstStyle/>
+          <a:p>
+            <a:endParaRPr lang="en-US" dirty="0"/>
+          </a:p>
+        </p:txBody>
+      </p:sp>
+      <p:sp>
+        <p:nvSpPr>
+          <p:cNvPr id="3" name="Subtitle 2"/>
+          <p:cNvSpPr>
+            <a:spLocks noGrp="1"/>
+          </p:cNvSpPr>
+          <p:nvPr>
+            <p:ph type="subTitle" idx="1"/>
+          </p:nvPr>
+        </p:nvSpPr>
+        <p:spPr>
+          <a:xfrm>
+            <a:off x="685800" y="1240992"/>
+            <a:ext cx="7953957" cy="3133784"/>
+          </a:xfrm>
+        </p:spPr>
+        <p:txBody>
+          <a:bodyPr>
+            <a:noAutofit/>
+          </a:bodyPr>
+          <a:lstStyle/>
+          <a:p>
+            <a:r>
+              <a:rPr lang="en-US" dirty="0" smtClean="0">
+                <a:solidFill>
+                  <a:schemeClr val="tx1">
+                    <a:lumMod val="65000"/>
+                    <a:lumOff val="35000"/>
+                  </a:schemeClr>
+                </a:solidFill>
+              </a:rPr>
+              <a:t>Workshop #1</a:t>
+            </a:r>
+          </a:p>
+          <a:p>
+            <a:r>
+              <a:rPr lang="en-US" dirty="0" smtClean="0">
+                <a:solidFill>
+                  <a:schemeClr val="tx1">
+                    <a:lumMod val="65000"/>
+                    <a:lumOff val="35000"/>
+                  </a:schemeClr>
+                </a:solidFill>
+              </a:rPr>
+              <a:t>Use Case 1: Classification</a:t>
+            </a:r>
+          </a:p>
+          <a:p>
+            <a:r>
+              <a:rPr lang="en-US" sz="5400" dirty="0" smtClean="0"/>
+              <a:t>Step </a:t>
+            </a:r>
+            <a:r>
+              <a:rPr lang="en-US" sz="5400" dirty="0" smtClean="0"/>
+              <a:t>4: Tuning Models</a:t>
+            </a:r>
+            <a:endParaRPr lang="en-US" sz="5400" dirty="0"/>
+          </a:p>
+        </p:txBody>
+      </p:sp>
+    </p:spTree>
+    <p:extLst>
+      <p:ext uri="{BB962C8B-B14F-4D97-AF65-F5344CB8AC3E}">
+        <p14:creationId xmlns:p14="http://schemas.microsoft.com/office/powerpoint/2010/main" val="1817385657"/>
+      </p:ext>
+    </p:extLst>
+  </p:cSld>
+  <p:clrMapOvr>
+    <a:masterClrMapping/>
+  </p:clrMapOvr>
+  <p:timing>
+    <p:tnLst>
+      <p:par>
+        <p:cTn id="1" dur="indefinite" restart="never" nodeType="tmRoot"/>
+      </p:par>
+    </p:tnLst>
+  </p:timing>
+</p:sld>
+</file>
+
+<file path=ppt/slides/slide21.xml><?xml version="1.0" encoding="utf-8"?>
+<p:sld xmlns:a="http://schemas.openxmlformats.org/drawingml/2006/main" xmlns:r="http://schemas.openxmlformats.org/officeDocument/2006/relationships" xmlns:p="http://schemas.openxmlformats.org/presentationml/2006/main">
+  <p:cSld>
+    <p:spTree>
+      <p:nvGrpSpPr>
+        <p:cNvPr id="1" name=""/>
+        <p:cNvGrpSpPr/>
+        <p:nvPr/>
+      </p:nvGrpSpPr>
+      <p:grpSpPr>
+        <a:xfrm>
+          <a:off x="0" y="0"/>
+          <a:ext cx="0" cy="0"/>
+          <a:chOff x="0" y="0"/>
+          <a:chExt cx="0" cy="0"/>
+        </a:xfrm>
+      </p:grpSpPr>
+      <p:sp>
+        <p:nvSpPr>
+          <p:cNvPr id="2" name="Title 1"/>
+          <p:cNvSpPr>
+            <a:spLocks noGrp="1"/>
+          </p:cNvSpPr>
+          <p:nvPr>
+            <p:ph type="ctrTitle"/>
+          </p:nvPr>
+        </p:nvSpPr>
+        <p:spPr/>
+        <p:txBody>
+          <a:bodyPr>
+            <a:normAutofit fontScale="90000"/>
+          </a:bodyPr>
+          <a:lstStyle/>
+          <a:p>
+            <a:endParaRPr lang="en-US" dirty="0"/>
+          </a:p>
+        </p:txBody>
+      </p:sp>
+      <p:sp>
+        <p:nvSpPr>
+          <p:cNvPr id="3" name="Subtitle 2"/>
+          <p:cNvSpPr>
+            <a:spLocks noGrp="1"/>
+          </p:cNvSpPr>
+          <p:nvPr>
+            <p:ph type="subTitle" idx="1"/>
+          </p:nvPr>
+        </p:nvSpPr>
+        <p:spPr>
+          <a:xfrm>
+            <a:off x="685800" y="1572687"/>
+            <a:ext cx="7953957" cy="927806"/>
+          </a:xfrm>
+        </p:spPr>
+        <p:txBody>
+          <a:bodyPr>
+            <a:noAutofit/>
+          </a:bodyPr>
+          <a:lstStyle/>
+          <a:p>
+            <a:r>
+              <a:rPr lang="en-US" sz="5400" dirty="0" smtClean="0"/>
+              <a:t>Workshop </a:t>
+            </a:r>
+            <a:r>
+              <a:rPr lang="en-US" sz="5400" dirty="0" smtClean="0"/>
+              <a:t>#2</a:t>
+            </a:r>
+            <a:endParaRPr lang="en-US" sz="5400" dirty="0" smtClean="0"/>
+          </a:p>
+          <a:p>
+            <a:r>
+              <a:rPr lang="en-US" sz="5400" dirty="0" smtClean="0"/>
+              <a:t>Use Case 1: Classification</a:t>
+            </a:r>
+            <a:endParaRPr lang="en-US" sz="5400" dirty="0"/>
+          </a:p>
+        </p:txBody>
+      </p:sp>
+    </p:spTree>
+    <p:extLst>
+      <p:ext uri="{BB962C8B-B14F-4D97-AF65-F5344CB8AC3E}">
+        <p14:creationId xmlns:p14="http://schemas.microsoft.com/office/powerpoint/2010/main" val="877793828"/>
+      </p:ext>
+    </p:extLst>
+  </p:cSld>
+  <p:clrMapOvr>
+    <a:masterClrMapping/>
+  </p:clrMapOvr>
+  <p:timing>
+    <p:tnLst>
+      <p:par>
+        <p:cTn id="1" dur="indefinite" restart="never" nodeType="tmRoot"/>
+      </p:par>
+    </p:tnLst>
+  </p:timing>
+</p:sld>
+</file>
+
+<file path=ppt/slides/slide22.xml><?xml version="1.0" encoding="utf-8"?>
+<p:sld xmlns:a="http://schemas.openxmlformats.org/drawingml/2006/main" xmlns:r="http://schemas.openxmlformats.org/officeDocument/2006/relationships" xmlns:p="http://schemas.openxmlformats.org/presentationml/2006/main">
+  <p:cSld>
+    <p:spTree>
+      <p:nvGrpSpPr>
+        <p:cNvPr id="1" name=""/>
+        <p:cNvGrpSpPr/>
+        <p:nvPr/>
+      </p:nvGrpSpPr>
+      <p:grpSpPr>
+        <a:xfrm>
+          <a:off x="0" y="0"/>
+          <a:ext cx="0" cy="0"/>
+          <a:chOff x="0" y="0"/>
+          <a:chExt cx="0" cy="0"/>
+        </a:xfrm>
+      </p:grpSpPr>
+      <p:sp>
+        <p:nvSpPr>
+          <p:cNvPr id="2" name="Title 1"/>
+          <p:cNvSpPr>
+            <a:spLocks noGrp="1"/>
+          </p:cNvSpPr>
+          <p:nvPr>
+            <p:ph type="ctrTitle"/>
+          </p:nvPr>
+        </p:nvSpPr>
+        <p:spPr/>
+        <p:txBody>
+          <a:bodyPr>
+            <a:normAutofit fontScale="90000"/>
+          </a:bodyPr>
+          <a:lstStyle/>
+          <a:p>
+            <a:endParaRPr lang="en-US" dirty="0"/>
+          </a:p>
+        </p:txBody>
+      </p:sp>
+      <p:sp>
+        <p:nvSpPr>
+          <p:cNvPr id="3" name="Subtitle 2"/>
+          <p:cNvSpPr>
+            <a:spLocks noGrp="1"/>
+          </p:cNvSpPr>
+          <p:nvPr>
+            <p:ph type="subTitle" idx="1"/>
+          </p:nvPr>
+        </p:nvSpPr>
+        <p:spPr>
+          <a:xfrm>
+            <a:off x="685800" y="1240992"/>
+            <a:ext cx="7953957" cy="3133784"/>
+          </a:xfrm>
+        </p:spPr>
+        <p:txBody>
+          <a:bodyPr>
+            <a:noAutofit/>
+          </a:bodyPr>
+          <a:lstStyle/>
+          <a:p>
+            <a:r>
+              <a:rPr lang="en-US" dirty="0" smtClean="0">
+                <a:solidFill>
+                  <a:schemeClr val="tx1">
+                    <a:lumMod val="65000"/>
+                    <a:lumOff val="35000"/>
+                  </a:schemeClr>
+                </a:solidFill>
+              </a:rPr>
+              <a:t>Workshop </a:t>
+            </a:r>
+            <a:r>
+              <a:rPr lang="en-US" dirty="0" smtClean="0">
+                <a:solidFill>
+                  <a:schemeClr val="tx1">
+                    <a:lumMod val="65000"/>
+                    <a:lumOff val="35000"/>
+                  </a:schemeClr>
+                </a:solidFill>
+              </a:rPr>
+              <a:t>#2</a:t>
+            </a:r>
+            <a:endParaRPr lang="en-US" dirty="0" smtClean="0">
+              <a:solidFill>
+                <a:schemeClr val="tx1">
+                  <a:lumMod val="65000"/>
+                  <a:lumOff val="35000"/>
+                </a:schemeClr>
+              </a:solidFill>
+            </a:endParaRPr>
+          </a:p>
+          <a:p>
+            <a:r>
+              <a:rPr lang="en-US" dirty="0" smtClean="0">
+                <a:solidFill>
+                  <a:schemeClr val="tx1">
+                    <a:lumMod val="65000"/>
+                    <a:lumOff val="35000"/>
+                  </a:schemeClr>
+                </a:solidFill>
+              </a:rPr>
+              <a:t>Use Case 1: Classification</a:t>
+            </a:r>
+          </a:p>
+          <a:p>
+            <a:r>
+              <a:rPr lang="en-US" sz="5400" dirty="0" smtClean="0"/>
+              <a:t>Step </a:t>
+            </a:r>
+            <a:r>
+              <a:rPr lang="en-US" sz="5400" dirty="0" smtClean="0"/>
+              <a:t>6: Tuning Models with Early Stopping</a:t>
+            </a:r>
+            <a:endParaRPr lang="en-US" sz="5400" dirty="0"/>
+          </a:p>
+        </p:txBody>
+      </p:sp>
+    </p:spTree>
+    <p:extLst>
+      <p:ext uri="{BB962C8B-B14F-4D97-AF65-F5344CB8AC3E}">
+        <p14:creationId xmlns:p14="http://schemas.microsoft.com/office/powerpoint/2010/main" val="545182089"/>
+      </p:ext>
+    </p:extLst>
+  </p:cSld>
+  <p:clrMapOvr>
+    <a:masterClrMapping/>
+  </p:clrMapOvr>
+  <p:timing>
+    <p:tnLst>
+      <p:par>
+        <p:cTn id="1" dur="indefinite" restart="never" nodeType="tmRoot"/>
+      </p:par>
+    </p:tnLst>
+  </p:timing>
+</p:sld>
+</file>
+
+<file path=ppt/slides/slide23.xml><?xml version="1.0" encoding="utf-8"?>
+<p:sld xmlns:a="http://schemas.openxmlformats.org/drawingml/2006/main" xmlns:r="http://schemas.openxmlformats.org/officeDocument/2006/relationships" xmlns:p="http://schemas.openxmlformats.org/presentationml/2006/main">
+  <p:cSld>
+    <p:spTree>
+      <p:nvGrpSpPr>
+        <p:cNvPr id="1" name=""/>
+        <p:cNvGrpSpPr/>
+        <p:nvPr/>
+      </p:nvGrpSpPr>
+      <p:grpSpPr>
+        <a:xfrm>
+          <a:off x="0" y="0"/>
+          <a:ext cx="0" cy="0"/>
+          <a:chOff x="0" y="0"/>
+          <a:chExt cx="0" cy="0"/>
+        </a:xfrm>
+      </p:grpSpPr>
+      <p:sp>
+        <p:nvSpPr>
+          <p:cNvPr id="2" name="Title 1"/>
+          <p:cNvSpPr>
+            <a:spLocks noGrp="1"/>
+          </p:cNvSpPr>
+          <p:nvPr>
+            <p:ph type="ctrTitle"/>
+          </p:nvPr>
+        </p:nvSpPr>
+        <p:spPr/>
+        <p:txBody>
+          <a:bodyPr>
+            <a:normAutofit fontScale="90000"/>
+          </a:bodyPr>
+          <a:lstStyle/>
+          <a:p>
+            <a:endParaRPr lang="en-US" dirty="0"/>
+          </a:p>
+        </p:txBody>
+      </p:sp>
+      <p:sp>
+        <p:nvSpPr>
+          <p:cNvPr id="3" name="Subtitle 2"/>
+          <p:cNvSpPr>
+            <a:spLocks noGrp="1"/>
+          </p:cNvSpPr>
+          <p:nvPr>
+            <p:ph type="subTitle" idx="1"/>
+          </p:nvPr>
+        </p:nvSpPr>
+        <p:spPr>
+          <a:xfrm>
+            <a:off x="685800" y="1240992"/>
+            <a:ext cx="7953957" cy="3133784"/>
+          </a:xfrm>
+        </p:spPr>
+        <p:txBody>
+          <a:bodyPr>
+            <a:noAutofit/>
+          </a:bodyPr>
+          <a:lstStyle/>
+          <a:p>
+            <a:r>
+              <a:rPr lang="en-US" dirty="0" smtClean="0">
+                <a:solidFill>
+                  <a:schemeClr val="tx1">
+                    <a:lumMod val="65000"/>
+                    <a:lumOff val="35000"/>
+                  </a:schemeClr>
+                </a:solidFill>
+              </a:rPr>
+              <a:t>Workshop </a:t>
+            </a:r>
+            <a:r>
+              <a:rPr lang="en-US" dirty="0" smtClean="0">
+                <a:solidFill>
+                  <a:schemeClr val="tx1">
+                    <a:lumMod val="65000"/>
+                    <a:lumOff val="35000"/>
+                  </a:schemeClr>
+                </a:solidFill>
+              </a:rPr>
+              <a:t>#2</a:t>
+            </a:r>
+            <a:endParaRPr lang="en-US" dirty="0" smtClean="0">
+              <a:solidFill>
+                <a:schemeClr val="tx1">
+                  <a:lumMod val="65000"/>
+                  <a:lumOff val="35000"/>
+                </a:schemeClr>
+              </a:solidFill>
+            </a:endParaRPr>
+          </a:p>
+          <a:p>
+            <a:r>
+              <a:rPr lang="en-US" dirty="0" smtClean="0">
+                <a:solidFill>
+                  <a:schemeClr val="tx1">
+                    <a:lumMod val="65000"/>
+                    <a:lumOff val="35000"/>
+                  </a:schemeClr>
+                </a:solidFill>
+              </a:rPr>
+              <a:t>Use Case 1: Classification</a:t>
+            </a:r>
+          </a:p>
+          <a:p>
+            <a:r>
+              <a:rPr lang="en-US" sz="5400" dirty="0" smtClean="0"/>
+              <a:t>Step </a:t>
+            </a:r>
+            <a:r>
+              <a:rPr lang="en-US" sz="5400" dirty="0" smtClean="0"/>
+              <a:t>7: Tuning Models with Grid Search</a:t>
+            </a:r>
+            <a:endParaRPr lang="en-US" sz="5400" dirty="0"/>
+          </a:p>
+        </p:txBody>
+      </p:sp>
+    </p:spTree>
+    <p:extLst>
+      <p:ext uri="{BB962C8B-B14F-4D97-AF65-F5344CB8AC3E}">
+        <p14:creationId xmlns:p14="http://schemas.microsoft.com/office/powerpoint/2010/main" val="1224136666"/>
+      </p:ext>
+    </p:extLst>
+  </p:cSld>
+  <p:clrMapOvr>
+    <a:masterClrMapping/>
+  </p:clrMapOvr>
+  <p:timing>
+    <p:tnLst>
+      <p:par>
+        <p:cTn id="1" dur="indefinite" restart="never" nodeType="tmRoot"/>
+      </p:par>
+    </p:tnLst>
+  </p:timing>
+</p:sld>
+</file>
+
+<file path=ppt/slides/slide24.xml><?xml version="1.0" encoding="utf-8"?>
+<p:sld xmlns:a="http://schemas.openxmlformats.org/drawingml/2006/main" xmlns:r="http://schemas.openxmlformats.org/officeDocument/2006/relationships" xmlns:p="http://schemas.openxmlformats.org/presentationml/2006/main">
+  <p:cSld>
+    <p:spTree>
+      <p:nvGrpSpPr>
+        <p:cNvPr id="1" name=""/>
+        <p:cNvGrpSpPr/>
+        <p:nvPr/>
+      </p:nvGrpSpPr>
+      <p:grpSpPr>
+        <a:xfrm>
+          <a:off x="0" y="0"/>
+          <a:ext cx="0" cy="0"/>
+          <a:chOff x="0" y="0"/>
+          <a:chExt cx="0" cy="0"/>
+        </a:xfrm>
+      </p:grpSpPr>
+      <p:sp>
+        <p:nvSpPr>
+          <p:cNvPr id="2" name="Title 1"/>
+          <p:cNvSpPr>
+            <a:spLocks noGrp="1"/>
+          </p:cNvSpPr>
+          <p:nvPr>
+            <p:ph type="ctrTitle"/>
+          </p:nvPr>
+        </p:nvSpPr>
+        <p:spPr/>
+        <p:txBody>
+          <a:bodyPr>
+            <a:normAutofit fontScale="90000"/>
+          </a:bodyPr>
+          <a:lstStyle/>
+          <a:p>
+            <a:endParaRPr lang="en-US" dirty="0"/>
+          </a:p>
+        </p:txBody>
+      </p:sp>
+      <p:sp>
+        <p:nvSpPr>
+          <p:cNvPr id="3" name="Subtitle 2"/>
+          <p:cNvSpPr>
+            <a:spLocks noGrp="1"/>
+          </p:cNvSpPr>
+          <p:nvPr>
+            <p:ph type="subTitle" idx="1"/>
+          </p:nvPr>
+        </p:nvSpPr>
+        <p:spPr>
+          <a:xfrm>
+            <a:off x="685800" y="1240992"/>
+            <a:ext cx="7953957" cy="3133784"/>
+          </a:xfrm>
+        </p:spPr>
+        <p:txBody>
+          <a:bodyPr>
+            <a:noAutofit/>
+          </a:bodyPr>
+          <a:lstStyle/>
+          <a:p>
+            <a:r>
+              <a:rPr lang="en-US" dirty="0" smtClean="0">
+                <a:solidFill>
+                  <a:schemeClr val="tx1">
+                    <a:lumMod val="65000"/>
+                    <a:lumOff val="35000"/>
+                  </a:schemeClr>
+                </a:solidFill>
+              </a:rPr>
+              <a:t>Workshop </a:t>
+            </a:r>
+            <a:r>
+              <a:rPr lang="en-US" dirty="0" smtClean="0">
+                <a:solidFill>
+                  <a:schemeClr val="tx1">
+                    <a:lumMod val="65000"/>
+                    <a:lumOff val="35000"/>
+                  </a:schemeClr>
+                </a:solidFill>
+              </a:rPr>
+              <a:t>#2</a:t>
+            </a:r>
+            <a:endParaRPr lang="en-US" dirty="0" smtClean="0">
+              <a:solidFill>
+                <a:schemeClr val="tx1">
+                  <a:lumMod val="65000"/>
+                  <a:lumOff val="35000"/>
+                </a:schemeClr>
+              </a:solidFill>
+            </a:endParaRPr>
+          </a:p>
+          <a:p>
+            <a:r>
+              <a:rPr lang="en-US" dirty="0" smtClean="0">
+                <a:solidFill>
+                  <a:schemeClr val="tx1">
+                    <a:lumMod val="65000"/>
+                    <a:lumOff val="35000"/>
+                  </a:schemeClr>
+                </a:solidFill>
+              </a:rPr>
+              <a:t>Use Case 1: Classification</a:t>
+            </a:r>
+          </a:p>
+          <a:p>
+            <a:r>
+              <a:rPr lang="en-US" sz="5400" dirty="0" smtClean="0"/>
+              <a:t>Step </a:t>
+            </a:r>
+            <a:r>
+              <a:rPr lang="en-US" sz="5400" dirty="0" smtClean="0"/>
+              <a:t>8: Stacking Models with h2oEnsemble</a:t>
+            </a:r>
+            <a:endParaRPr lang="en-US" sz="5400" dirty="0"/>
+          </a:p>
+        </p:txBody>
+      </p:sp>
+    </p:spTree>
+    <p:extLst>
+      <p:ext uri="{BB962C8B-B14F-4D97-AF65-F5344CB8AC3E}">
+        <p14:creationId xmlns:p14="http://schemas.microsoft.com/office/powerpoint/2010/main" val="1073054161"/>
+      </p:ext>
+    </p:extLst>
+  </p:cSld>
+  <p:clrMapOvr>
+    <a:masterClrMapping/>
+  </p:clrMapOvr>
+  <p:timing>
+    <p:tnLst>
+      <p:par>
+        <p:cTn id="1" dur="indefinite" restart="never" nodeType="tmRoot"/>
+      </p:par>
+    </p:tnLst>
+  </p:timing>
+</p:sld>
+</file>
+
+<file path=ppt/slides/slide25.xml><?xml version="1.0" encoding="utf-8"?>
+<p:sld xmlns:a="http://schemas.openxmlformats.org/drawingml/2006/main" xmlns:r="http://schemas.openxmlformats.org/officeDocument/2006/relationships" xmlns:p="http://schemas.openxmlformats.org/presentationml/2006/main">
+  <p:cSld>
+    <p:spTree>
+      <p:nvGrpSpPr>
+        <p:cNvPr id="1" name=""/>
+        <p:cNvGrpSpPr/>
+        <p:nvPr/>
+      </p:nvGrpSpPr>
+      <p:grpSpPr>
+        <a:xfrm>
+          <a:off x="0" y="0"/>
+          <a:ext cx="0" cy="0"/>
+          <a:chOff x="0" y="0"/>
+          <a:chExt cx="0" cy="0"/>
+        </a:xfrm>
+      </p:grpSpPr>
+      <p:sp>
+        <p:nvSpPr>
+          <p:cNvPr id="2" name="Title 1"/>
+          <p:cNvSpPr>
+            <a:spLocks noGrp="1"/>
+          </p:cNvSpPr>
+          <p:nvPr>
+            <p:ph type="ctrTitle"/>
+          </p:nvPr>
+        </p:nvSpPr>
+        <p:spPr/>
+        <p:txBody>
+          <a:bodyPr>
+            <a:normAutofit fontScale="90000"/>
+          </a:bodyPr>
+          <a:lstStyle/>
+          <a:p>
+            <a:endParaRPr lang="en-US" dirty="0"/>
+          </a:p>
+        </p:txBody>
+      </p:sp>
+      <p:sp>
+        <p:nvSpPr>
+          <p:cNvPr id="3" name="Subtitle 2"/>
+          <p:cNvSpPr>
+            <a:spLocks noGrp="1"/>
+          </p:cNvSpPr>
+          <p:nvPr>
+            <p:ph type="subTitle" idx="1"/>
+          </p:nvPr>
+        </p:nvSpPr>
+        <p:spPr>
+          <a:xfrm>
+            <a:off x="685800" y="1240992"/>
+            <a:ext cx="7953957" cy="3133784"/>
+          </a:xfrm>
+        </p:spPr>
+        <p:txBody>
+          <a:bodyPr>
+            <a:noAutofit/>
+          </a:bodyPr>
+          <a:lstStyle/>
+          <a:p>
+            <a:r>
+              <a:rPr lang="en-US" dirty="0" smtClean="0">
+                <a:solidFill>
+                  <a:schemeClr val="tx1">
+                    <a:lumMod val="65000"/>
+                    <a:lumOff val="35000"/>
+                  </a:schemeClr>
+                </a:solidFill>
+              </a:rPr>
+              <a:t>Workshop </a:t>
+            </a:r>
+            <a:r>
+              <a:rPr lang="en-US" dirty="0" smtClean="0">
+                <a:solidFill>
+                  <a:schemeClr val="tx1">
+                    <a:lumMod val="65000"/>
+                    <a:lumOff val="35000"/>
+                  </a:schemeClr>
+                </a:solidFill>
+              </a:rPr>
+              <a:t>#2</a:t>
+            </a:r>
+            <a:endParaRPr lang="en-US" dirty="0" smtClean="0">
+              <a:solidFill>
+                <a:schemeClr val="tx1">
+                  <a:lumMod val="65000"/>
+                  <a:lumOff val="35000"/>
+                </a:schemeClr>
+              </a:solidFill>
+            </a:endParaRPr>
+          </a:p>
+          <a:p>
+            <a:r>
+              <a:rPr lang="en-US" dirty="0" smtClean="0">
+                <a:solidFill>
+                  <a:schemeClr val="tx1">
+                    <a:lumMod val="65000"/>
+                    <a:lumOff val="35000"/>
+                  </a:schemeClr>
+                </a:solidFill>
+              </a:rPr>
+              <a:t>Use Case 1: Classification</a:t>
+            </a:r>
+          </a:p>
+          <a:p>
+            <a:r>
+              <a:rPr lang="en-US" sz="5400" dirty="0" smtClean="0"/>
+              <a:t>Step </a:t>
+            </a:r>
+            <a:r>
+              <a:rPr lang="en-US" sz="5400" dirty="0"/>
+              <a:t>9</a:t>
+            </a:r>
+            <a:r>
+              <a:rPr lang="en-US" sz="5400" dirty="0" smtClean="0"/>
+              <a:t>: Saving / Loading Models</a:t>
+            </a:r>
+            <a:endParaRPr lang="en-US" sz="5400" dirty="0"/>
+          </a:p>
+        </p:txBody>
+      </p:sp>
+    </p:spTree>
+    <p:extLst>
+      <p:ext uri="{BB962C8B-B14F-4D97-AF65-F5344CB8AC3E}">
+        <p14:creationId xmlns:p14="http://schemas.microsoft.com/office/powerpoint/2010/main" val="698706139"/>
+      </p:ext>
+    </p:extLst>
+  </p:cSld>
+  <p:clrMapOvr>
+    <a:masterClrMapping/>
+  </p:clrMapOvr>
+  <p:timing>
+    <p:tnLst>
+      <p:par>
+        <p:cTn id="1" dur="indefinite" restart="never" nodeType="tmRoot"/>
+      </p:par>
+    </p:tnLst>
+  </p:timing>
+</p:sld>
+</file>
+
+<file path=ppt/slides/slide26.xml><?xml version="1.0" encoding="utf-8"?>
+<p:sld xmlns:a="http://schemas.openxmlformats.org/drawingml/2006/main" xmlns:r="http://schemas.openxmlformats.org/officeDocument/2006/relationships" xmlns:p="http://schemas.openxmlformats.org/presentationml/2006/main">
+  <p:cSld>
+    <p:spTree>
+      <p:nvGrpSpPr>
+        <p:cNvPr id="1" name=""/>
+        <p:cNvGrpSpPr/>
+        <p:nvPr/>
+      </p:nvGrpSpPr>
+      <p:grpSpPr>
+        <a:xfrm>
+          <a:off x="0" y="0"/>
+          <a:ext cx="0" cy="0"/>
+          <a:chOff x="0" y="0"/>
+          <a:chExt cx="0" cy="0"/>
+        </a:xfrm>
+      </p:grpSpPr>
+      <p:sp>
+        <p:nvSpPr>
+          <p:cNvPr id="2" name="Title 1"/>
+          <p:cNvSpPr>
+            <a:spLocks noGrp="1"/>
+          </p:cNvSpPr>
+          <p:nvPr>
+            <p:ph type="ctrTitle"/>
+          </p:nvPr>
+        </p:nvSpPr>
+        <p:spPr/>
+        <p:txBody>
+          <a:bodyPr>
+            <a:normAutofit fontScale="90000"/>
+          </a:bodyPr>
+          <a:lstStyle/>
+          <a:p>
+            <a:endParaRPr lang="en-US" dirty="0"/>
+          </a:p>
+        </p:txBody>
+      </p:sp>
+      <p:sp>
+        <p:nvSpPr>
+          <p:cNvPr id="3" name="Subtitle 2"/>
+          <p:cNvSpPr>
+            <a:spLocks noGrp="1"/>
+          </p:cNvSpPr>
+          <p:nvPr>
+            <p:ph type="subTitle" idx="1"/>
+          </p:nvPr>
+        </p:nvSpPr>
+        <p:spPr>
+          <a:xfrm>
+            <a:off x="685800" y="1572687"/>
+            <a:ext cx="7953957" cy="927806"/>
+          </a:xfrm>
+        </p:spPr>
+        <p:txBody>
+          <a:bodyPr>
+            <a:noAutofit/>
+          </a:bodyPr>
+          <a:lstStyle/>
+          <a:p>
+            <a:r>
+              <a:rPr lang="en-US" sz="5400" dirty="0" smtClean="0"/>
+              <a:t>Workshop </a:t>
+            </a:r>
+            <a:r>
+              <a:rPr lang="en-US" sz="5400" dirty="0" smtClean="0"/>
+              <a:t>#2</a:t>
+            </a:r>
+            <a:endParaRPr lang="en-US" sz="5400" dirty="0" smtClean="0"/>
+          </a:p>
+          <a:p>
+            <a:r>
+              <a:rPr lang="en-US" sz="5400" dirty="0" smtClean="0"/>
+              <a:t>Use Case </a:t>
+            </a:r>
+            <a:r>
+              <a:rPr lang="en-US" sz="5400" dirty="0" smtClean="0"/>
+              <a:t>2: Anomaly Detection</a:t>
+            </a:r>
+            <a:endParaRPr lang="en-US" sz="5400" dirty="0"/>
+          </a:p>
+        </p:txBody>
+      </p:sp>
+    </p:spTree>
+    <p:extLst>
+      <p:ext uri="{BB962C8B-B14F-4D97-AF65-F5344CB8AC3E}">
+        <p14:creationId xmlns:p14="http://schemas.microsoft.com/office/powerpoint/2010/main" val="932201701"/>
+      </p:ext>
+    </p:extLst>
+  </p:cSld>
+  <p:clrMapOvr>
+    <a:masterClrMapping/>
+  </p:clrMapOvr>
+  <p:timing>
+    <p:tnLst>
+      <p:par>
+        <p:cTn id="1" dur="indefinite" restart="never" nodeType="tmRoot"/>
+      </p:par>
+    </p:tnLst>
+  </p:timing>
+</p:sld>
+</file>
+
+<file path=ppt/slides/slide27.xml><?xml version="1.0" encoding="utf-8"?>
+<p:sld xmlns:a="http://schemas.openxmlformats.org/drawingml/2006/main" xmlns:r="http://schemas.openxmlformats.org/officeDocument/2006/relationships" xmlns:p="http://schemas.openxmlformats.org/presentationml/2006/main">
+  <p:cSld>
+    <p:spTree>
+      <p:nvGrpSpPr>
+        <p:cNvPr id="1" name=""/>
+        <p:cNvGrpSpPr/>
+        <p:nvPr/>
+      </p:nvGrpSpPr>
+      <p:grpSpPr>
+        <a:xfrm>
+          <a:off x="0" y="0"/>
+          <a:ext cx="0" cy="0"/>
+          <a:chOff x="0" y="0"/>
+          <a:chExt cx="0" cy="0"/>
+        </a:xfrm>
+      </p:grpSpPr>
+      <p:sp>
+        <p:nvSpPr>
+          <p:cNvPr id="2" name="Title 1"/>
+          <p:cNvSpPr>
+            <a:spLocks noGrp="1"/>
+          </p:cNvSpPr>
+          <p:nvPr>
+            <p:ph type="ctrTitle"/>
+          </p:nvPr>
+        </p:nvSpPr>
+        <p:spPr/>
+        <p:txBody>
+          <a:bodyPr>
+            <a:normAutofit fontScale="90000"/>
+          </a:bodyPr>
+          <a:lstStyle/>
+          <a:p>
+            <a:endParaRPr lang="en-US" dirty="0"/>
+          </a:p>
+        </p:txBody>
+      </p:sp>
+      <p:sp>
+        <p:nvSpPr>
+          <p:cNvPr id="3" name="Subtitle 2"/>
+          <p:cNvSpPr>
+            <a:spLocks noGrp="1"/>
+          </p:cNvSpPr>
+          <p:nvPr>
+            <p:ph type="subTitle" idx="1"/>
+          </p:nvPr>
+        </p:nvSpPr>
+        <p:spPr>
+          <a:xfrm>
+            <a:off x="685800" y="1572687"/>
+            <a:ext cx="7953957" cy="927806"/>
+          </a:xfrm>
+        </p:spPr>
+        <p:txBody>
+          <a:bodyPr>
+            <a:noAutofit/>
+          </a:bodyPr>
+          <a:lstStyle/>
+          <a:p>
+            <a:r>
+              <a:rPr lang="en-US" sz="5400" dirty="0" smtClean="0"/>
+              <a:t>Workshop </a:t>
+            </a:r>
+            <a:r>
+              <a:rPr lang="en-US" sz="5400" dirty="0" smtClean="0"/>
+              <a:t>#2</a:t>
+            </a:r>
+            <a:endParaRPr lang="en-US" sz="5400" dirty="0" smtClean="0"/>
+          </a:p>
+          <a:p>
+            <a:r>
+              <a:rPr lang="en-US" sz="5400" dirty="0" smtClean="0"/>
+              <a:t>Other H2O Features</a:t>
+            </a:r>
+            <a:endParaRPr lang="en-US" sz="5400" dirty="0"/>
+          </a:p>
+        </p:txBody>
+      </p:sp>
+    </p:spTree>
+    <p:extLst>
+      <p:ext uri="{BB962C8B-B14F-4D97-AF65-F5344CB8AC3E}">
+        <p14:creationId xmlns:p14="http://schemas.microsoft.com/office/powerpoint/2010/main" val="1370506975"/>
       </p:ext>
     </p:extLst>
   </p:cSld>
@@ -9048,11 +11625,7 @@
           <a:p>
             <a:r>
               <a:rPr lang="en-US" b="1" dirty="0" smtClean="0"/>
-              <a:t>Workshop #</a:t>
-            </a:r>
-            <a:r>
-              <a:rPr lang="en-US" b="1" dirty="0" smtClean="0"/>
-              <a:t>1 (Today)</a:t>
+              <a:t>Workshop #1 (Today)</a:t>
             </a:r>
             <a:endParaRPr lang="en-US" b="1" dirty="0"/>
           </a:p>
@@ -9060,8 +11633,16 @@
             <a:pPr lvl="1"/>
             <a:r>
               <a:rPr lang="en-US" dirty="0" smtClean="0"/>
-              <a:t>Background</a:t>
-            </a:r>
+              <a:t>About H2O</a:t>
+            </a:r>
+          </a:p>
+          <a:p>
+            <a:pPr lvl="1"/>
+            <a:r>
+              <a:rPr lang="en-US" dirty="0" smtClean="0"/>
+              <a:t>Data Munging in H2O</a:t>
+            </a:r>
+            <a:endParaRPr lang="en-US" dirty="0" smtClean="0"/>
           </a:p>
           <a:p>
             <a:pPr lvl="1"/>
@@ -9149,15 +11730,7 @@
           <a:p>
             <a:r>
               <a:rPr lang="en-US" b="1" dirty="0" smtClean="0"/>
-              <a:t>Workshop </a:t>
-            </a:r>
-            <a:r>
-              <a:rPr lang="en-US" b="1" dirty="0" smtClean="0"/>
-              <a:t>#</a:t>
-            </a:r>
-            <a:r>
-              <a:rPr lang="en-US" b="1" dirty="0" smtClean="0"/>
-              <a:t>2 (</a:t>
+              <a:t>Workshop #2 (</a:t>
             </a:r>
             <a:r>
               <a:rPr lang="en-US" b="1" dirty="0" err="1" smtClean="0"/>
@@ -9200,15 +11773,13 @@
             <a:pPr lvl="2"/>
             <a:r>
               <a:rPr lang="en-US" dirty="0" smtClean="0"/>
-              <a:t>Saving/loading models</a:t>
-            </a:r>
-          </a:p>
-          <a:p>
-            <a:pPr lvl="2"/>
+              <a:t>Saving/loading </a:t>
+            </a:r>
             <a:r>
               <a:rPr lang="en-US" dirty="0" smtClean="0"/>
-              <a:t>Exporting models</a:t>
-            </a:r>
+              <a:t>models</a:t>
+            </a:r>
+            <a:endParaRPr lang="en-US" dirty="0" smtClean="0"/>
           </a:p>
           <a:p>
             <a:pPr lvl="1"/>
@@ -9570,37 +12141,6 @@
                                   </p:childTnLst>
                                 </p:cTn>
                               </p:par>
-                              <p:par>
-                                <p:cTn id="23" presetID="1" presetClass="entr" presetSubtype="0" fill="hold" grpId="0" nodeType="withEffect">
-                                  <p:stCondLst>
-                                    <p:cond delay="0"/>
-                                  </p:stCondLst>
-                                  <p:childTnLst>
-                                    <p:set>
-                                      <p:cBhvr>
-                                        <p:cTn id="24" dur="1" fill="hold">
-                                          <p:stCondLst>
-                                            <p:cond delay="0"/>
-                                          </p:stCondLst>
-                                        </p:cTn>
-                                        <p:tgtEl>
-                                          <p:spTgt spid="4">
-                                            <p:txEl>
-                                              <p:pRg st="9" end="9"/>
-                                            </p:txEl>
-                                          </p:spTgt>
-                                        </p:tgtEl>
-                                        <p:attrNameLst>
-                                          <p:attrName>style.visibility</p:attrName>
-                                        </p:attrNameLst>
-                                      </p:cBhvr>
-                                      <p:to>
-                                        <p:strVal val="visible"/>
-                                      </p:to>
-                                    </p:set>
-                                  </p:childTnLst>
-                                </p:cTn>
-                              </p:par>
                             </p:childTnLst>
                           </p:cTn>
                         </p:par>
@@ -9697,8 +12237,13 @@
           <a:p>
             <a:r>
               <a:rPr lang="en-US" sz="5400" dirty="0"/>
-              <a:t>About H2O.ai</a:t>
-            </a:r>
+              <a:t>About </a:t>
+            </a:r>
+            <a:r>
+              <a:rPr lang="en-US" sz="5400" dirty="0" smtClean="0"/>
+              <a:t>H2O</a:t>
+            </a:r>
+            <a:endParaRPr lang="en-US" sz="5400" dirty="0"/>
           </a:p>
         </p:txBody>
       </p:sp>
@@ -9925,50 +12470,6 @@
           </a:p>
         </p:txBody>
       </p:sp>
-      <p:sp>
-        <p:nvSpPr>
-          <p:cNvPr id="8" name="Rectangle 7"/>
-          <p:cNvSpPr/>
-          <p:nvPr/>
-        </p:nvSpPr>
-        <p:spPr>
-          <a:xfrm>
-            <a:off x="7101840" y="1904198"/>
-            <a:ext cx="279132" cy="288758"/>
-          </a:xfrm>
-          <a:prstGeom prst="rect">
-            <a:avLst/>
-          </a:prstGeom>
-          <a:noFill/>
-          <a:ln w="28575">
-            <a:solidFill>
-              <a:srgbClr val="FFFF00"/>
-            </a:solidFill>
-          </a:ln>
-        </p:spPr>
-        <p:style>
-          <a:lnRef idx="1">
-            <a:schemeClr val="accent1"/>
-          </a:lnRef>
-          <a:fillRef idx="3">
-            <a:schemeClr val="accent1"/>
-          </a:fillRef>
-          <a:effectRef idx="2">
-            <a:schemeClr val="accent1"/>
-          </a:effectRef>
-          <a:fontRef idx="minor">
-            <a:schemeClr val="lt1"/>
-          </a:fontRef>
-        </p:style>
-        <p:txBody>
-          <a:bodyPr rtlCol="0" anchor="ctr"/>
-          <a:lstStyle/>
-          <a:p>
-            <a:pPr algn="ctr"/>
-            <a:endParaRPr lang="en-US"/>
-          </a:p>
-        </p:txBody>
-      </p:sp>
       <p:cxnSp>
         <p:nvCxnSpPr>
           <p:cNvPr id="10" name="Straight Arrow Connector 9"/>
@@ -10374,6 +12875,13 @@
   <p:clrMapOvr>
     <a:masterClrMapping/>
   </p:clrMapOvr>
+  <p:timing>
+    <p:tnLst>
+      <p:par>
+        <p:cTn id="1" dur="indefinite" restart="never" nodeType="tmRoot"/>
+      </p:par>
+    </p:tnLst>
+  </p:timing>
 </p:sld>
 </file>
 
@@ -11587,8 +14095,8 @@
         </p:nvSpPr>
         <p:spPr>
           <a:xfrm>
-            <a:off x="685800" y="1572687"/>
-            <a:ext cx="7953957" cy="927806"/>
+            <a:off x="685800" y="1784478"/>
+            <a:ext cx="7953957" cy="2006471"/>
           </a:xfrm>
         </p:spPr>
         <p:txBody>
@@ -11599,22 +14107,58 @@
           <a:p>
             <a:r>
               <a:rPr lang="en-US" sz="5400" dirty="0" smtClean="0"/>
-              <a:t>Workshop #1</a:t>
-            </a:r>
-          </a:p>
-          <a:p>
-            <a:r>
-              <a:rPr lang="en-US" sz="5400" dirty="0" smtClean="0"/>
-              <a:t>Use Case 1: Classification</a:t>
-            </a:r>
-            <a:endParaRPr lang="en-US" sz="5400" dirty="0"/>
+              <a:t>Data Munging in H2O</a:t>
+            </a:r>
+          </a:p>
+          <a:p>
+            <a:r>
+              <a:rPr lang="en-US" sz="3200" dirty="0"/>
+              <a:t>b</a:t>
+            </a:r>
+            <a:r>
+              <a:rPr lang="en-US" sz="3200" dirty="0" smtClean="0"/>
+              <a:t>y Jan </a:t>
+            </a:r>
+            <a:r>
+              <a:rPr lang="en-US" sz="3200" dirty="0" err="1" smtClean="0"/>
+              <a:t>Gorecki</a:t>
+            </a:r>
+            <a:r>
+              <a:rPr lang="en-US" sz="3200" dirty="0" smtClean="0"/>
+              <a:t> &amp; Matt </a:t>
+            </a:r>
+            <a:r>
+              <a:rPr lang="en-US" sz="3200" dirty="0" err="1" smtClean="0"/>
+              <a:t>Dowle</a:t>
+            </a:r>
+            <a:endParaRPr lang="en-US" sz="3200" dirty="0" smtClean="0"/>
+          </a:p>
+          <a:p>
+            <a:r>
+              <a:rPr lang="en-US" sz="2000" dirty="0" smtClean="0">
+                <a:solidFill>
+                  <a:schemeClr val="bg1">
+                    <a:lumMod val="75000"/>
+                  </a:schemeClr>
+                </a:solidFill>
+                <a:hlinkClick r:id="rId3" tooltip="Data Munging Google Slides"/>
+              </a:rPr>
+              <a:t>(link to slides)</a:t>
+            </a:r>
+            <a:endParaRPr lang="en-US" sz="2000" dirty="0">
+              <a:solidFill>
+                <a:schemeClr val="bg1">
+                  <a:lumMod val="75000"/>
+                </a:schemeClr>
+              </a:solidFill>
+            </a:endParaRPr>
           </a:p>
         </p:txBody>
       </p:sp>
     </p:spTree>
     <p:extLst>
       <p:ext uri="{BB962C8B-B14F-4D97-AF65-F5344CB8AC3E}">
-        <p14:creationId xmlns:p14="http://schemas.microsoft.com/office/powerpoint/2010/main" val="63236062"/>
+        <p14:creationId xmlns:p14="http://schemas.microsoft.com/office/powerpoint/2010/main" val="786926995"/>
       </p:ext>
     </p:extLst>
   </p:cSld>
